--- a/SystematicReviews.pptx
+++ b/SystematicReviews.pptx
@@ -2,7 +2,7 @@
 <file path=ppt/presentation.xml><?xml version="1.0" encoding="utf-8"?>
 <p:presentation xmlns:a="http://schemas.openxmlformats.org/drawingml/2006/main" xmlns:r="http://schemas.openxmlformats.org/officeDocument/2006/relationships" xmlns:p="http://schemas.openxmlformats.org/presentationml/2006/main" saveSubsetFonts="1" autoCompressPictures="0">
   <p:sldMasterIdLst>
-    <p:sldMasterId id="2147483648" r:id="rId1"/>
+    <p:sldMasterId id="2147483718" r:id="rId1"/>
   </p:sldMasterIdLst>
   <p:sldIdLst>
     <p:sldId id="256" r:id="rId2"/>
@@ -1173,48 +1173,29 @@
       </dsp:nvSpPr>
       <dsp:spPr>
         <a:xfrm>
-          <a:off x="3616" y="1325133"/>
-          <a:ext cx="1581224" cy="1875696"/>
+          <a:off x="3348" y="1281086"/>
+          <a:ext cx="1464096" cy="1811390"/>
         </a:xfrm>
         <a:prstGeom prst="roundRect">
           <a:avLst>
             <a:gd name="adj" fmla="val 10000"/>
           </a:avLst>
         </a:prstGeom>
-        <a:gradFill rotWithShape="0">
-          <a:gsLst>
-            <a:gs pos="0">
-              <a:schemeClr val="accent1">
-                <a:hueOff val="0"/>
-                <a:satOff val="0"/>
-                <a:lumOff val="0"/>
-                <a:alphaOff val="0"/>
-                <a:tint val="100000"/>
-                <a:shade val="100000"/>
-                <a:satMod val="130000"/>
-              </a:schemeClr>
-            </a:gs>
-            <a:gs pos="100000">
-              <a:schemeClr val="accent1">
-                <a:hueOff val="0"/>
-                <a:satOff val="0"/>
-                <a:lumOff val="0"/>
-                <a:alphaOff val="0"/>
-                <a:tint val="50000"/>
-                <a:shade val="100000"/>
-                <a:satMod val="350000"/>
-              </a:schemeClr>
-            </a:gs>
-          </a:gsLst>
-          <a:lin ang="16200000" scaled="0"/>
-        </a:gradFill>
+        <a:solidFill>
+          <a:schemeClr val="accent1">
+            <a:hueOff val="0"/>
+            <a:satOff val="0"/>
+            <a:lumOff val="0"/>
+            <a:alphaOff val="0"/>
+          </a:schemeClr>
+        </a:solidFill>
         <a:ln>
           <a:noFill/>
         </a:ln>
         <a:effectLst>
-          <a:outerShdw blurRad="40000" dist="23000" dir="5400000" rotWithShape="0">
+          <a:outerShdw blurRad="39999" dist="23000" algn="bl" rotWithShape="0">
             <a:srgbClr val="000000">
-              <a:alpha val="35000"/>
+              <a:alpha val="40000"/>
             </a:srgbClr>
           </a:outerShdw>
         </a:effectLst>
@@ -1234,12 +1215,12 @@
         </a:fontRef>
       </dsp:style>
       <dsp:txBody>
-        <a:bodyPr spcFirstLastPara="0" vert="horz" wrap="square" lIns="57150" tIns="57150" rIns="57150" bIns="57150" numCol="1" spcCol="1270" anchor="ctr" anchorCtr="0">
+        <a:bodyPr spcFirstLastPara="0" vert="horz" wrap="square" lIns="49530" tIns="49530" rIns="49530" bIns="49530" numCol="1" spcCol="1270" anchor="ctr" anchorCtr="0">
           <a:noAutofit/>
         </a:bodyPr>
         <a:lstStyle/>
         <a:p>
-          <a:pPr lvl="0" algn="ctr" defTabSz="666750">
+          <a:pPr lvl="0" algn="ctr" defTabSz="577850">
             <a:lnSpc>
               <a:spcPct val="90000"/>
             </a:lnSpc>
@@ -1251,23 +1232,23 @@
             </a:spcAft>
           </a:pPr>
           <a:r>
-            <a:rPr lang="en-US" sz="1500" kern="1200" dirty="0" smtClean="0"/>
+            <a:rPr lang="en-US" sz="1300" kern="1200" dirty="0" smtClean="0"/>
             <a:t>Get and Parse </a:t>
           </a:r>
           <a:r>
-            <a:rPr lang="en-US" sz="1500" kern="1200" dirty="0" err="1" smtClean="0"/>
+            <a:rPr lang="en-US" sz="1300" kern="1200" dirty="0" err="1" smtClean="0"/>
             <a:t>Pubmed</a:t>
           </a:r>
           <a:r>
-            <a:rPr lang="en-US" sz="1500" kern="1200" dirty="0" smtClean="0"/>
+            <a:rPr lang="en-US" sz="1300" kern="1200" dirty="0" smtClean="0"/>
             <a:t> XML (dl, direct.)</a:t>
           </a:r>
-          <a:endParaRPr lang="en-US" sz="1500" kern="1200" dirty="0"/>
+          <a:endParaRPr lang="en-US" sz="1300" kern="1200" dirty="0"/>
         </a:p>
       </dsp:txBody>
       <dsp:txXfrm>
-        <a:off x="49928" y="1371445"/>
-        <a:ext cx="1488600" cy="1783072"/>
+        <a:off x="46230" y="1323968"/>
+        <a:ext cx="1378332" cy="1725626"/>
       </dsp:txXfrm>
     </dsp:sp>
     <dsp:sp modelId="{BD7C4556-DB72-3C46-8494-B5E114CF61A1}">
@@ -1277,8 +1258,8 @@
       </dsp:nvSpPr>
       <dsp:spPr>
         <a:xfrm>
-          <a:off x="1742963" y="2066909"/>
-          <a:ext cx="335219" cy="392143"/>
+          <a:off x="1613854" y="2005233"/>
+          <a:ext cx="310388" cy="363095"/>
         </a:xfrm>
         <a:prstGeom prst="rightArrow">
           <a:avLst>
@@ -1286,42 +1267,22 @@
             <a:gd name="adj2" fmla="val 50000"/>
           </a:avLst>
         </a:prstGeom>
-        <a:gradFill rotWithShape="0">
-          <a:gsLst>
-            <a:gs pos="0">
-              <a:schemeClr val="accent1">
-                <a:tint val="60000"/>
-                <a:hueOff val="0"/>
-                <a:satOff val="0"/>
-                <a:lumOff val="0"/>
-                <a:alphaOff val="0"/>
-                <a:tint val="100000"/>
-                <a:shade val="100000"/>
-                <a:satMod val="130000"/>
-              </a:schemeClr>
-            </a:gs>
-            <a:gs pos="100000">
-              <a:schemeClr val="accent1">
-                <a:tint val="60000"/>
-                <a:hueOff val="0"/>
-                <a:satOff val="0"/>
-                <a:lumOff val="0"/>
-                <a:alphaOff val="0"/>
-                <a:tint val="50000"/>
-                <a:shade val="100000"/>
-                <a:satMod val="350000"/>
-              </a:schemeClr>
-            </a:gs>
-          </a:gsLst>
-          <a:lin ang="16200000" scaled="0"/>
-        </a:gradFill>
+        <a:solidFill>
+          <a:schemeClr val="accent1">
+            <a:tint val="60000"/>
+            <a:hueOff val="0"/>
+            <a:satOff val="0"/>
+            <a:lumOff val="0"/>
+            <a:alphaOff val="0"/>
+          </a:schemeClr>
+        </a:solidFill>
         <a:ln>
           <a:noFill/>
         </a:ln>
         <a:effectLst>
-          <a:outerShdw blurRad="40000" dist="23000" dir="5400000" rotWithShape="0">
+          <a:outerShdw blurRad="39999" dist="23000" algn="bl" rotWithShape="0">
             <a:srgbClr val="000000">
-              <a:alpha val="35000"/>
+              <a:alpha val="40000"/>
             </a:srgbClr>
           </a:outerShdw>
         </a:effectLst>
@@ -1346,7 +1307,7 @@
         </a:bodyPr>
         <a:lstStyle/>
         <a:p>
-          <a:pPr lvl="0" algn="ctr" defTabSz="533400">
+          <a:pPr lvl="0" algn="ctr" defTabSz="488950">
             <a:lnSpc>
               <a:spcPct val="90000"/>
             </a:lnSpc>
@@ -1357,12 +1318,12 @@
               <a:spcPct val="35000"/>
             </a:spcAft>
           </a:pPr>
-          <a:endParaRPr lang="en-US" sz="1200" kern="1200"/>
+          <a:endParaRPr lang="en-US" sz="1100" kern="1200"/>
         </a:p>
       </dsp:txBody>
       <dsp:txXfrm>
-        <a:off x="1742963" y="2145338"/>
-        <a:ext cx="234653" cy="235285"/>
+        <a:off x="1613854" y="2077852"/>
+        <a:ext cx="217272" cy="217857"/>
       </dsp:txXfrm>
     </dsp:sp>
     <dsp:sp modelId="{03858AF6-0BC2-DD47-8FBF-97CE88074EFC}">
@@ -1372,48 +1333,29 @@
       </dsp:nvSpPr>
       <dsp:spPr>
         <a:xfrm>
-          <a:off x="2217330" y="1325133"/>
-          <a:ext cx="1581224" cy="1875696"/>
+          <a:off x="2053083" y="1281086"/>
+          <a:ext cx="1464096" cy="1811390"/>
         </a:xfrm>
         <a:prstGeom prst="roundRect">
           <a:avLst>
             <a:gd name="adj" fmla="val 10000"/>
           </a:avLst>
         </a:prstGeom>
-        <a:gradFill rotWithShape="0">
-          <a:gsLst>
-            <a:gs pos="0">
-              <a:schemeClr val="accent1">
-                <a:hueOff val="0"/>
-                <a:satOff val="0"/>
-                <a:lumOff val="0"/>
-                <a:alphaOff val="0"/>
-                <a:tint val="100000"/>
-                <a:shade val="100000"/>
-                <a:satMod val="130000"/>
-              </a:schemeClr>
-            </a:gs>
-            <a:gs pos="100000">
-              <a:schemeClr val="accent1">
-                <a:hueOff val="0"/>
-                <a:satOff val="0"/>
-                <a:lumOff val="0"/>
-                <a:alphaOff val="0"/>
-                <a:tint val="50000"/>
-                <a:shade val="100000"/>
-                <a:satMod val="350000"/>
-              </a:schemeClr>
-            </a:gs>
-          </a:gsLst>
-          <a:lin ang="16200000" scaled="0"/>
-        </a:gradFill>
+        <a:solidFill>
+          <a:schemeClr val="accent1">
+            <a:hueOff val="0"/>
+            <a:satOff val="0"/>
+            <a:lumOff val="0"/>
+            <a:alphaOff val="0"/>
+          </a:schemeClr>
+        </a:solidFill>
         <a:ln>
           <a:noFill/>
         </a:ln>
         <a:effectLst>
-          <a:outerShdw blurRad="40000" dist="23000" dir="5400000" rotWithShape="0">
+          <a:outerShdw blurRad="39999" dist="23000" algn="bl" rotWithShape="0">
             <a:srgbClr val="000000">
-              <a:alpha val="35000"/>
+              <a:alpha val="40000"/>
             </a:srgbClr>
           </a:outerShdw>
         </a:effectLst>
@@ -1433,12 +1375,12 @@
         </a:fontRef>
       </dsp:style>
       <dsp:txBody>
-        <a:bodyPr spcFirstLastPara="0" vert="horz" wrap="square" lIns="57150" tIns="57150" rIns="57150" bIns="57150" numCol="1" spcCol="1270" anchor="ctr" anchorCtr="0">
+        <a:bodyPr spcFirstLastPara="0" vert="horz" wrap="square" lIns="49530" tIns="49530" rIns="49530" bIns="49530" numCol="1" spcCol="1270" anchor="ctr" anchorCtr="0">
           <a:noAutofit/>
         </a:bodyPr>
         <a:lstStyle/>
         <a:p>
-          <a:pPr lvl="0" algn="ctr" defTabSz="666750">
+          <a:pPr lvl="0" algn="ctr" defTabSz="577850">
             <a:lnSpc>
               <a:spcPct val="90000"/>
             </a:lnSpc>
@@ -1450,15 +1392,15 @@
             </a:spcAft>
           </a:pPr>
           <a:r>
-            <a:rPr lang="en-US" sz="1500" kern="1200" dirty="0" smtClean="0"/>
+            <a:rPr lang="en-US" sz="1300" kern="1200" dirty="0" smtClean="0"/>
             <a:t>Create K Nearest Neighbors (using LDA, Word Embedding) from Abstract Text, etc.</a:t>
           </a:r>
-          <a:endParaRPr lang="en-US" sz="1500" kern="1200" dirty="0"/>
+          <a:endParaRPr lang="en-US" sz="1300" kern="1200" dirty="0"/>
         </a:p>
       </dsp:txBody>
       <dsp:txXfrm>
-        <a:off x="2263642" y="1371445"/>
-        <a:ext cx="1488600" cy="1783072"/>
+        <a:off x="2095965" y="1323968"/>
+        <a:ext cx="1378332" cy="1725626"/>
       </dsp:txXfrm>
     </dsp:sp>
     <dsp:sp modelId="{46347FED-EBE5-964E-9846-7A8A5369F225}">
@@ -1468,8 +1410,8 @@
       </dsp:nvSpPr>
       <dsp:spPr>
         <a:xfrm>
-          <a:off x="3956677" y="2066909"/>
-          <a:ext cx="335219" cy="392143"/>
+          <a:off x="3663590" y="2005233"/>
+          <a:ext cx="310388" cy="363095"/>
         </a:xfrm>
         <a:prstGeom prst="rightArrow">
           <a:avLst>
@@ -1477,42 +1419,22 @@
             <a:gd name="adj2" fmla="val 50000"/>
           </a:avLst>
         </a:prstGeom>
-        <a:gradFill rotWithShape="0">
-          <a:gsLst>
-            <a:gs pos="0">
-              <a:schemeClr val="accent1">
-                <a:tint val="60000"/>
-                <a:hueOff val="0"/>
-                <a:satOff val="0"/>
-                <a:lumOff val="0"/>
-                <a:alphaOff val="0"/>
-                <a:tint val="100000"/>
-                <a:shade val="100000"/>
-                <a:satMod val="130000"/>
-              </a:schemeClr>
-            </a:gs>
-            <a:gs pos="100000">
-              <a:schemeClr val="accent1">
-                <a:tint val="60000"/>
-                <a:hueOff val="0"/>
-                <a:satOff val="0"/>
-                <a:lumOff val="0"/>
-                <a:alphaOff val="0"/>
-                <a:tint val="50000"/>
-                <a:shade val="100000"/>
-                <a:satMod val="350000"/>
-              </a:schemeClr>
-            </a:gs>
-          </a:gsLst>
-          <a:lin ang="16200000" scaled="0"/>
-        </a:gradFill>
+        <a:solidFill>
+          <a:schemeClr val="accent1">
+            <a:tint val="60000"/>
+            <a:hueOff val="0"/>
+            <a:satOff val="0"/>
+            <a:lumOff val="0"/>
+            <a:alphaOff val="0"/>
+          </a:schemeClr>
+        </a:solidFill>
         <a:ln>
           <a:noFill/>
         </a:ln>
         <a:effectLst>
-          <a:outerShdw blurRad="40000" dist="23000" dir="5400000" rotWithShape="0">
+          <a:outerShdw blurRad="39999" dist="23000" algn="bl" rotWithShape="0">
             <a:srgbClr val="000000">
-              <a:alpha val="35000"/>
+              <a:alpha val="40000"/>
             </a:srgbClr>
           </a:outerShdw>
         </a:effectLst>
@@ -1537,7 +1459,7 @@
         </a:bodyPr>
         <a:lstStyle/>
         <a:p>
-          <a:pPr lvl="0" algn="ctr" defTabSz="533400">
+          <a:pPr lvl="0" algn="ctr" defTabSz="488950">
             <a:lnSpc>
               <a:spcPct val="90000"/>
             </a:lnSpc>
@@ -1548,12 +1470,12 @@
               <a:spcPct val="35000"/>
             </a:spcAft>
           </a:pPr>
-          <a:endParaRPr lang="en-US" sz="1200" kern="1200"/>
+          <a:endParaRPr lang="en-US" sz="1100" kern="1200"/>
         </a:p>
       </dsp:txBody>
       <dsp:txXfrm>
-        <a:off x="3956677" y="2145338"/>
-        <a:ext cx="234653" cy="235285"/>
+        <a:off x="3663590" y="2077852"/>
+        <a:ext cx="217272" cy="217857"/>
       </dsp:txXfrm>
     </dsp:sp>
     <dsp:sp modelId="{304E1329-86CF-7F49-8890-21EC859B0FD0}">
@@ -1563,48 +1485,29 @@
       </dsp:nvSpPr>
       <dsp:spPr>
         <a:xfrm>
-          <a:off x="4431044" y="1325133"/>
-          <a:ext cx="1581224" cy="1875696"/>
+          <a:off x="4102819" y="1281086"/>
+          <a:ext cx="1464096" cy="1811390"/>
         </a:xfrm>
         <a:prstGeom prst="roundRect">
           <a:avLst>
             <a:gd name="adj" fmla="val 10000"/>
           </a:avLst>
         </a:prstGeom>
-        <a:gradFill rotWithShape="0">
-          <a:gsLst>
-            <a:gs pos="0">
-              <a:schemeClr val="accent1">
-                <a:hueOff val="0"/>
-                <a:satOff val="0"/>
-                <a:lumOff val="0"/>
-                <a:alphaOff val="0"/>
-                <a:tint val="100000"/>
-                <a:shade val="100000"/>
-                <a:satMod val="130000"/>
-              </a:schemeClr>
-            </a:gs>
-            <a:gs pos="100000">
-              <a:schemeClr val="accent1">
-                <a:hueOff val="0"/>
-                <a:satOff val="0"/>
-                <a:lumOff val="0"/>
-                <a:alphaOff val="0"/>
-                <a:tint val="50000"/>
-                <a:shade val="100000"/>
-                <a:satMod val="350000"/>
-              </a:schemeClr>
-            </a:gs>
-          </a:gsLst>
-          <a:lin ang="16200000" scaled="0"/>
-        </a:gradFill>
+        <a:solidFill>
+          <a:schemeClr val="accent1">
+            <a:hueOff val="0"/>
+            <a:satOff val="0"/>
+            <a:lumOff val="0"/>
+            <a:alphaOff val="0"/>
+          </a:schemeClr>
+        </a:solidFill>
         <a:ln>
           <a:noFill/>
         </a:ln>
         <a:effectLst>
-          <a:outerShdw blurRad="40000" dist="23000" dir="5400000" rotWithShape="0">
+          <a:outerShdw blurRad="39999" dist="23000" algn="bl" rotWithShape="0">
             <a:srgbClr val="000000">
-              <a:alpha val="35000"/>
+              <a:alpha val="40000"/>
             </a:srgbClr>
           </a:outerShdw>
         </a:effectLst>
@@ -1624,12 +1527,12 @@
         </a:fontRef>
       </dsp:style>
       <dsp:txBody>
-        <a:bodyPr spcFirstLastPara="0" vert="horz" wrap="square" lIns="57150" tIns="57150" rIns="57150" bIns="57150" numCol="1" spcCol="1270" anchor="ctr" anchorCtr="0">
+        <a:bodyPr spcFirstLastPara="0" vert="horz" wrap="square" lIns="49530" tIns="49530" rIns="49530" bIns="49530" numCol="1" spcCol="1270" anchor="ctr" anchorCtr="0">
           <a:noAutofit/>
         </a:bodyPr>
         <a:lstStyle/>
         <a:p>
-          <a:pPr lvl="0" algn="ctr" defTabSz="666750">
+          <a:pPr lvl="0" algn="ctr" defTabSz="577850">
             <a:lnSpc>
               <a:spcPct val="90000"/>
             </a:lnSpc>
@@ -1641,23 +1544,23 @@
             </a:spcAft>
           </a:pPr>
           <a:r>
-            <a:rPr lang="en-US" sz="1500" kern="1200" dirty="0" smtClean="0"/>
+            <a:rPr lang="en-US" sz="1300" kern="1200" dirty="0" smtClean="0"/>
             <a:t>Analyze clusters and reanalyze associated metadata (</a:t>
           </a:r>
           <a:r>
-            <a:rPr lang="en-US" sz="1500" kern="1200" dirty="0" err="1" smtClean="0"/>
+            <a:rPr lang="en-US" sz="1300" kern="1200" dirty="0" err="1" smtClean="0"/>
             <a:t>MeSH</a:t>
           </a:r>
           <a:r>
-            <a:rPr lang="en-US" sz="1500" kern="1200" dirty="0" smtClean="0"/>
+            <a:rPr lang="en-US" sz="1300" kern="1200" dirty="0" smtClean="0"/>
             <a:t>, Keywords) to generate related articles and new search strings</a:t>
           </a:r>
-          <a:endParaRPr lang="en-US" sz="1500" kern="1200" dirty="0"/>
+          <a:endParaRPr lang="en-US" sz="1300" kern="1200" dirty="0"/>
         </a:p>
       </dsp:txBody>
       <dsp:txXfrm>
-        <a:off x="4477356" y="1371445"/>
-        <a:ext cx="1488600" cy="1783072"/>
+        <a:off x="4145701" y="1323968"/>
+        <a:ext cx="1378332" cy="1725626"/>
       </dsp:txXfrm>
     </dsp:sp>
     <dsp:sp modelId="{F3486224-C465-8547-BAB3-59AAB68A884D}">
@@ -1667,8 +1570,8 @@
       </dsp:nvSpPr>
       <dsp:spPr>
         <a:xfrm>
-          <a:off x="6170391" y="2066909"/>
-          <a:ext cx="335219" cy="392143"/>
+          <a:off x="5713325" y="2005233"/>
+          <a:ext cx="310388" cy="363095"/>
         </a:xfrm>
         <a:prstGeom prst="rightArrow">
           <a:avLst>
@@ -1676,42 +1579,22 @@
             <a:gd name="adj2" fmla="val 50000"/>
           </a:avLst>
         </a:prstGeom>
-        <a:gradFill rotWithShape="0">
-          <a:gsLst>
-            <a:gs pos="0">
-              <a:schemeClr val="accent1">
-                <a:tint val="60000"/>
-                <a:hueOff val="0"/>
-                <a:satOff val="0"/>
-                <a:lumOff val="0"/>
-                <a:alphaOff val="0"/>
-                <a:tint val="100000"/>
-                <a:shade val="100000"/>
-                <a:satMod val="130000"/>
-              </a:schemeClr>
-            </a:gs>
-            <a:gs pos="100000">
-              <a:schemeClr val="accent1">
-                <a:tint val="60000"/>
-                <a:hueOff val="0"/>
-                <a:satOff val="0"/>
-                <a:lumOff val="0"/>
-                <a:alphaOff val="0"/>
-                <a:tint val="50000"/>
-                <a:shade val="100000"/>
-                <a:satMod val="350000"/>
-              </a:schemeClr>
-            </a:gs>
-          </a:gsLst>
-          <a:lin ang="16200000" scaled="0"/>
-        </a:gradFill>
+        <a:solidFill>
+          <a:schemeClr val="accent1">
+            <a:tint val="60000"/>
+            <a:hueOff val="0"/>
+            <a:satOff val="0"/>
+            <a:lumOff val="0"/>
+            <a:alphaOff val="0"/>
+          </a:schemeClr>
+        </a:solidFill>
         <a:ln>
           <a:noFill/>
         </a:ln>
         <a:effectLst>
-          <a:outerShdw blurRad="40000" dist="23000" dir="5400000" rotWithShape="0">
+          <a:outerShdw blurRad="39999" dist="23000" algn="bl" rotWithShape="0">
             <a:srgbClr val="000000">
-              <a:alpha val="35000"/>
+              <a:alpha val="40000"/>
             </a:srgbClr>
           </a:outerShdw>
         </a:effectLst>
@@ -1736,7 +1619,7 @@
         </a:bodyPr>
         <a:lstStyle/>
         <a:p>
-          <a:pPr lvl="0" algn="ctr" defTabSz="533400">
+          <a:pPr lvl="0" algn="ctr" defTabSz="488950">
             <a:lnSpc>
               <a:spcPct val="90000"/>
             </a:lnSpc>
@@ -1747,12 +1630,12 @@
               <a:spcPct val="35000"/>
             </a:spcAft>
           </a:pPr>
-          <a:endParaRPr lang="en-US" sz="1200" kern="1200"/>
+          <a:endParaRPr lang="en-US" sz="1100" kern="1200"/>
         </a:p>
       </dsp:txBody>
       <dsp:txXfrm>
-        <a:off x="6170391" y="2145338"/>
-        <a:ext cx="234653" cy="235285"/>
+        <a:off x="5713325" y="2077852"/>
+        <a:ext cx="217272" cy="217857"/>
       </dsp:txXfrm>
     </dsp:sp>
     <dsp:sp modelId="{1C2522D7-7AB1-9B42-99C5-F5CF4AEDCB20}">
@@ -1762,48 +1645,29 @@
       </dsp:nvSpPr>
       <dsp:spPr>
         <a:xfrm>
-          <a:off x="6644759" y="1325133"/>
-          <a:ext cx="1581224" cy="1875696"/>
+          <a:off x="6152554" y="1281086"/>
+          <a:ext cx="1464096" cy="1811390"/>
         </a:xfrm>
         <a:prstGeom prst="roundRect">
           <a:avLst>
             <a:gd name="adj" fmla="val 10000"/>
           </a:avLst>
         </a:prstGeom>
-        <a:gradFill rotWithShape="0">
-          <a:gsLst>
-            <a:gs pos="0">
-              <a:schemeClr val="accent1">
-                <a:hueOff val="0"/>
-                <a:satOff val="0"/>
-                <a:lumOff val="0"/>
-                <a:alphaOff val="0"/>
-                <a:tint val="100000"/>
-                <a:shade val="100000"/>
-                <a:satMod val="130000"/>
-              </a:schemeClr>
-            </a:gs>
-            <a:gs pos="100000">
-              <a:schemeClr val="accent1">
-                <a:hueOff val="0"/>
-                <a:satOff val="0"/>
-                <a:lumOff val="0"/>
-                <a:alphaOff val="0"/>
-                <a:tint val="50000"/>
-                <a:shade val="100000"/>
-                <a:satMod val="350000"/>
-              </a:schemeClr>
-            </a:gs>
-          </a:gsLst>
-          <a:lin ang="16200000" scaled="0"/>
-        </a:gradFill>
+        <a:solidFill>
+          <a:schemeClr val="accent1">
+            <a:hueOff val="0"/>
+            <a:satOff val="0"/>
+            <a:lumOff val="0"/>
+            <a:alphaOff val="0"/>
+          </a:schemeClr>
+        </a:solidFill>
         <a:ln>
           <a:noFill/>
         </a:ln>
         <a:effectLst>
-          <a:outerShdw blurRad="40000" dist="23000" dir="5400000" rotWithShape="0">
+          <a:outerShdw blurRad="39999" dist="23000" algn="bl" rotWithShape="0">
             <a:srgbClr val="000000">
-              <a:alpha val="35000"/>
+              <a:alpha val="40000"/>
             </a:srgbClr>
           </a:outerShdw>
         </a:effectLst>
@@ -1823,12 +1687,12 @@
         </a:fontRef>
       </dsp:style>
       <dsp:txBody>
-        <a:bodyPr spcFirstLastPara="0" vert="horz" wrap="square" lIns="57150" tIns="57150" rIns="57150" bIns="57150" numCol="1" spcCol="1270" anchor="ctr" anchorCtr="0">
+        <a:bodyPr spcFirstLastPara="0" vert="horz" wrap="square" lIns="49530" tIns="49530" rIns="49530" bIns="49530" numCol="1" spcCol="1270" anchor="ctr" anchorCtr="0">
           <a:noAutofit/>
         </a:bodyPr>
         <a:lstStyle/>
         <a:p>
-          <a:pPr lvl="0" algn="ctr" defTabSz="666750">
+          <a:pPr lvl="0" algn="ctr" defTabSz="577850">
             <a:lnSpc>
               <a:spcPct val="90000"/>
             </a:lnSpc>
@@ -1840,15 +1704,15 @@
             </a:spcAft>
           </a:pPr>
           <a:r>
-            <a:rPr lang="en-US" sz="1500" kern="1200" dirty="0" smtClean="0"/>
+            <a:rPr lang="en-US" sz="1300" kern="1200" dirty="0" smtClean="0"/>
             <a:t>Compare test set to full set using Precision and Recall</a:t>
           </a:r>
-          <a:endParaRPr lang="en-US" sz="1500" kern="1200" dirty="0"/>
+          <a:endParaRPr lang="en-US" sz="1300" kern="1200" dirty="0"/>
         </a:p>
       </dsp:txBody>
       <dsp:txXfrm>
-        <a:off x="6691071" y="1371445"/>
-        <a:ext cx="1488600" cy="1783072"/>
+        <a:off x="6195436" y="1323968"/>
+        <a:ext cx="1378332" cy="1725626"/>
       </dsp:txXfrm>
     </dsp:sp>
   </dsp:spTree>
@@ -3036,7 +2900,7 @@
 </file>
 
 <file path=ppt/slideLayouts/slideLayout1.xml><?xml version="1.0" encoding="utf-8"?>
-<p:sldLayout xmlns:a="http://schemas.openxmlformats.org/drawingml/2006/main" xmlns:r="http://schemas.openxmlformats.org/officeDocument/2006/relationships" xmlns:p="http://schemas.openxmlformats.org/presentationml/2006/main" type="title" preserve="1">
+<p:sldLayout xmlns:a="http://schemas.openxmlformats.org/drawingml/2006/main" xmlns:r="http://schemas.openxmlformats.org/officeDocument/2006/relationships" xmlns:p="http://schemas.openxmlformats.org/presentationml/2006/main" showMasterSp="0" type="title" preserve="1">
   <p:cSld name="Title Slide">
     <p:spTree>
       <p:nvGrpSpPr>
@@ -3064,19 +2928,32 @@
         </p:nvSpPr>
         <p:spPr>
           <a:xfrm>
-            <a:off x="685800" y="2130425"/>
-            <a:ext cx="7772400" cy="1470025"/>
+            <a:off x="457200" y="228600"/>
+            <a:ext cx="7772400" cy="4571999"/>
           </a:xfrm>
         </p:spPr>
         <p:txBody>
-          <a:bodyPr/>
-          <a:lstStyle/>
+          <a:bodyPr anchor="ctr">
+            <a:noAutofit/>
+          </a:bodyPr>
+          <a:lstStyle>
+            <a:lvl1pPr>
+              <a:lnSpc>
+                <a:spcPct val="100000"/>
+              </a:lnSpc>
+              <a:defRPr sz="8800" spc="-80" baseline="0">
+                <a:solidFill>
+                  <a:schemeClr val="tx1"/>
+                </a:solidFill>
+              </a:defRPr>
+            </a:lvl1pPr>
+          </a:lstStyle>
           <a:p>
             <a:r>
               <a:rPr lang="en-US" smtClean="0"/>
               <a:t>Click to edit Master title style</a:t>
             </a:r>
-            <a:endParaRPr lang="en-US"/>
+            <a:endParaRPr lang="en-US" dirty="0"/>
           </a:p>
         </p:txBody>
       </p:sp>
@@ -3092,21 +2969,20 @@
         </p:nvSpPr>
         <p:spPr>
           <a:xfrm>
-            <a:off x="1371600" y="3886200"/>
-            <a:ext cx="6400800" cy="1752600"/>
+            <a:off x="457200" y="4800600"/>
+            <a:ext cx="6858000" cy="914400"/>
           </a:xfrm>
         </p:spPr>
         <p:txBody>
           <a:bodyPr/>
           <a:lstStyle>
-            <a:lvl1pPr marL="0" indent="0" algn="ctr">
+            <a:lvl1pPr marL="0" indent="0" algn="l">
               <a:buNone/>
-              <a:defRPr>
+              <a:defRPr b="0" cap="all" spc="120" baseline="0">
                 <a:solidFill>
-                  <a:schemeClr val="tx1">
-                    <a:tint val="75000"/>
-                  </a:schemeClr>
+                  <a:schemeClr val="tx2"/>
                 </a:solidFill>
+                <a:latin typeface="+mj-lt"/>
               </a:defRPr>
             </a:lvl1pPr>
             <a:lvl2pPr marL="457200" indent="0" algn="ctr">
@@ -3195,7 +3071,7 @@
               <a:rPr lang="en-US" smtClean="0"/>
               <a:t>Click to edit Master subtitle style</a:t>
             </a:r>
-            <a:endParaRPr lang="en-US"/>
+            <a:endParaRPr lang="en-US" dirty="0"/>
           </a:p>
         </p:txBody>
       </p:sp>
@@ -3243,6 +3119,98 @@
       </p:sp>
       <p:sp>
         <p:nvSpPr>
+          <p:cNvPr id="9" name="Rectangle 8"/>
+          <p:cNvSpPr/>
+          <p:nvPr/>
+        </p:nvSpPr>
+        <p:spPr>
+          <a:xfrm>
+            <a:off x="9001124" y="4846320"/>
+            <a:ext cx="142876" cy="2011680"/>
+          </a:xfrm>
+          <a:prstGeom prst="rect">
+            <a:avLst/>
+          </a:prstGeom>
+          <a:solidFill>
+            <a:schemeClr val="tx2"/>
+          </a:solidFill>
+          <a:ln>
+            <a:noFill/>
+          </a:ln>
+        </p:spPr>
+        <p:style>
+          <a:lnRef idx="2">
+            <a:schemeClr val="accent1">
+              <a:shade val="50000"/>
+            </a:schemeClr>
+          </a:lnRef>
+          <a:fillRef idx="1">
+            <a:schemeClr val="accent1"/>
+          </a:fillRef>
+          <a:effectRef idx="0">
+            <a:schemeClr val="accent1"/>
+          </a:effectRef>
+          <a:fontRef idx="minor">
+            <a:schemeClr val="lt1"/>
+          </a:fontRef>
+        </p:style>
+        <p:txBody>
+          <a:bodyPr rtlCol="0" anchor="ctr"/>
+          <a:lstStyle/>
+          <a:p>
+            <a:pPr algn="ctr"/>
+            <a:endParaRPr lang="en-US"/>
+          </a:p>
+        </p:txBody>
+      </p:sp>
+      <p:sp>
+        <p:nvSpPr>
+          <p:cNvPr id="10" name="Rectangle 9"/>
+          <p:cNvSpPr/>
+          <p:nvPr/>
+        </p:nvSpPr>
+        <p:spPr>
+          <a:xfrm>
+            <a:off x="9001124" y="0"/>
+            <a:ext cx="142876" cy="4846320"/>
+          </a:xfrm>
+          <a:prstGeom prst="rect">
+            <a:avLst/>
+          </a:prstGeom>
+          <a:solidFill>
+            <a:schemeClr val="tx1"/>
+          </a:solidFill>
+          <a:ln>
+            <a:noFill/>
+          </a:ln>
+        </p:spPr>
+        <p:style>
+          <a:lnRef idx="2">
+            <a:schemeClr val="accent1">
+              <a:shade val="50000"/>
+            </a:schemeClr>
+          </a:lnRef>
+          <a:fillRef idx="1">
+            <a:schemeClr val="accent1"/>
+          </a:fillRef>
+          <a:effectRef idx="0">
+            <a:schemeClr val="accent1"/>
+          </a:effectRef>
+          <a:fontRef idx="minor">
+            <a:schemeClr val="lt1"/>
+          </a:fontRef>
+        </p:style>
+        <p:txBody>
+          <a:bodyPr rtlCol="0" anchor="ctr"/>
+          <a:lstStyle/>
+          <a:p>
+            <a:pPr algn="ctr"/>
+            <a:endParaRPr lang="en-US"/>
+          </a:p>
+        </p:txBody>
+      </p:sp>
+      <p:sp>
+        <p:nvSpPr>
           <p:cNvPr id="6" name="Slide Number Placeholder 5"/>
           <p:cNvSpPr>
             <a:spLocks noGrp="1"/>
@@ -3254,10 +3222,19 @@
         <p:spPr/>
         <p:txBody>
           <a:bodyPr/>
-          <a:lstStyle/>
-          <a:p>
-            <a:fld id="{74F375D5-D445-854A-BF69-EB9EF69DCB6A}" type="slidenum">
-              <a:rPr lang="en-US" smtClean="0"/>
+          <a:lstStyle>
+            <a:lvl1pPr>
+              <a:defRPr>
+                <a:solidFill>
+                  <a:schemeClr val="tx1"/>
+                </a:solidFill>
+              </a:defRPr>
+            </a:lvl1pPr>
+          </a:lstStyle>
+          <a:p>
+            <a:fld id="{2754ED01-E2A0-4C1E-8E21-014B99041579}" type="slidenum">
+              <a:rPr lang="en-US" smtClean="0"/>
+              <a:pPr/>
               <a:t>‹#›</a:t>
             </a:fld>
             <a:endParaRPr lang="en-US"/>
@@ -3265,11 +3242,6 @@
         </p:txBody>
       </p:sp>
     </p:spTree>
-    <p:extLst>
-      <p:ext uri="{BB962C8B-B14F-4D97-AF65-F5344CB8AC3E}">
-        <p14:creationId xmlns:p14="http://schemas.microsoft.com/office/powerpoint/2010/main" val="1338926398"/>
-      </p:ext>
-    </p:extLst>
   </p:cSld>
   <p:clrMapOvr>
     <a:masterClrMapping/>
@@ -3435,11 +3407,6 @@
         </p:txBody>
       </p:sp>
     </p:spTree>
-    <p:extLst>
-      <p:ext uri="{BB962C8B-B14F-4D97-AF65-F5344CB8AC3E}">
-        <p14:creationId xmlns:p14="http://schemas.microsoft.com/office/powerpoint/2010/main" val="1747425800"/>
-      </p:ext>
-    </p:extLst>
   </p:cSld>
   <p:clrMapOvr>
     <a:masterClrMapping/>
@@ -3615,11 +3582,6 @@
         </p:txBody>
       </p:sp>
     </p:spTree>
-    <p:extLst>
-      <p:ext uri="{BB962C8B-B14F-4D97-AF65-F5344CB8AC3E}">
-        <p14:creationId xmlns:p14="http://schemas.microsoft.com/office/powerpoint/2010/main" val="766555662"/>
-      </p:ext>
-    </p:extLst>
   </p:cSld>
   <p:clrMapOvr>
     <a:masterClrMapping/>
@@ -3715,7 +3677,7 @@
               <a:rPr lang="en-US" smtClean="0"/>
               <a:t>Fifth level</a:t>
             </a:r>
-            <a:endParaRPr lang="en-US"/>
+            <a:endParaRPr lang="en-US" dirty="0"/>
           </a:p>
         </p:txBody>
       </p:sp>
@@ -3785,11 +3747,6 @@
         </p:txBody>
       </p:sp>
     </p:spTree>
-    <p:extLst>
-      <p:ext uri="{BB962C8B-B14F-4D97-AF65-F5344CB8AC3E}">
-        <p14:creationId xmlns:p14="http://schemas.microsoft.com/office/powerpoint/2010/main" val="584654740"/>
-      </p:ext>
-    </p:extLst>
   </p:cSld>
   <p:clrMapOvr>
     <a:masterClrMapping/>
@@ -3826,15 +3783,24 @@
         </p:nvSpPr>
         <p:spPr>
           <a:xfrm>
-            <a:off x="722313" y="4406900"/>
-            <a:ext cx="7772400" cy="1362075"/>
+            <a:off x="457200" y="1447800"/>
+            <a:ext cx="7772400" cy="4321175"/>
           </a:xfrm>
         </p:spPr>
         <p:txBody>
-          <a:bodyPr anchor="t"/>
+          <a:bodyPr anchor="ctr">
+            <a:noAutofit/>
+          </a:bodyPr>
           <a:lstStyle>
             <a:lvl1pPr algn="l">
-              <a:defRPr sz="4000" b="1" cap="all"/>
+              <a:lnSpc>
+                <a:spcPct val="100000"/>
+              </a:lnSpc>
+              <a:defRPr sz="8800" b="0" cap="all" spc="-80" baseline="0">
+                <a:solidFill>
+                  <a:schemeClr val="tx1"/>
+                </a:solidFill>
+              </a:defRPr>
             </a:lvl1pPr>
           </a:lstStyle>
           <a:p>
@@ -3842,7 +3808,7 @@
               <a:rPr lang="en-US" smtClean="0"/>
               <a:t>Click to edit Master title style</a:t>
             </a:r>
-            <a:endParaRPr lang="en-US"/>
+            <a:endParaRPr lang="en-US" dirty="0"/>
           </a:p>
         </p:txBody>
       </p:sp>
@@ -3858,8 +3824,8 @@
         </p:nvSpPr>
         <p:spPr>
           <a:xfrm>
-            <a:off x="722313" y="2906713"/>
-            <a:ext cx="7772400" cy="1500187"/>
+            <a:off x="457200" y="228601"/>
+            <a:ext cx="7772400" cy="1066800"/>
           </a:xfrm>
         </p:spPr>
         <p:txBody>
@@ -3867,12 +3833,11 @@
           <a:lstStyle>
             <a:lvl1pPr marL="0" indent="0">
               <a:buNone/>
-              <a:defRPr sz="2000">
+              <a:defRPr sz="2000" b="0" cap="all" spc="120" baseline="0">
                 <a:solidFill>
-                  <a:schemeClr val="tx1">
-                    <a:tint val="75000"/>
-                  </a:schemeClr>
+                  <a:schemeClr val="tx2"/>
                 </a:solidFill>
+                <a:latin typeface="+mj-lt"/>
               </a:defRPr>
             </a:lvl1pPr>
             <a:lvl2pPr marL="457200" indent="0">
@@ -3967,7 +3932,7 @@
       </p:sp>
       <p:sp>
         <p:nvSpPr>
-          <p:cNvPr id="4" name="Date Placeholder 3"/>
+          <p:cNvPr id="7" name="Date Placeholder 6"/>
           <p:cNvSpPr>
             <a:spLocks noGrp="1"/>
           </p:cNvSpPr>
@@ -3990,12 +3955,12 @@
       </p:sp>
       <p:sp>
         <p:nvSpPr>
-          <p:cNvPr id="5" name="Footer Placeholder 4"/>
+          <p:cNvPr id="8" name="Slide Number Placeholder 7"/>
           <p:cNvSpPr>
             <a:spLocks noGrp="1"/>
           </p:cNvSpPr>
           <p:nvPr>
-            <p:ph type="ftr" sz="quarter" idx="11"/>
+            <p:ph type="sldNum" sz="quarter" idx="11"/>
           </p:nvPr>
         </p:nvSpPr>
         <p:spPr/>
@@ -4003,18 +3968,22 @@
           <a:bodyPr/>
           <a:lstStyle/>
           <a:p>
+            <a:fld id="{74F375D5-D445-854A-BF69-EB9EF69DCB6A}" type="slidenum">
+              <a:rPr lang="en-US" smtClean="0"/>
+              <a:t>‹#›</a:t>
+            </a:fld>
             <a:endParaRPr lang="en-US"/>
           </a:p>
         </p:txBody>
       </p:sp>
       <p:sp>
         <p:nvSpPr>
-          <p:cNvPr id="6" name="Slide Number Placeholder 5"/>
+          <p:cNvPr id="9" name="Footer Placeholder 8"/>
           <p:cNvSpPr>
             <a:spLocks noGrp="1"/>
           </p:cNvSpPr>
           <p:nvPr>
-            <p:ph type="sldNum" sz="quarter" idx="12"/>
+            <p:ph type="ftr" sz="quarter" idx="12"/>
           </p:nvPr>
         </p:nvSpPr>
         <p:spPr/>
@@ -4022,20 +3991,11 @@
           <a:bodyPr/>
           <a:lstStyle/>
           <a:p>
-            <a:fld id="{74F375D5-D445-854A-BF69-EB9EF69DCB6A}" type="slidenum">
-              <a:rPr lang="en-US" smtClean="0"/>
-              <a:t>‹#›</a:t>
-            </a:fld>
             <a:endParaRPr lang="en-US"/>
           </a:p>
         </p:txBody>
       </p:sp>
     </p:spTree>
-    <p:extLst>
-      <p:ext uri="{BB962C8B-B14F-4D97-AF65-F5344CB8AC3E}">
-        <p14:creationId xmlns:p14="http://schemas.microsoft.com/office/powerpoint/2010/main" val="1731994551"/>
-      </p:ext>
-    </p:extLst>
   </p:cSld>
   <p:clrMapOvr>
     <a:masterClrMapping/>
@@ -4095,8 +4055,8 @@
         </p:nvSpPr>
         <p:spPr>
           <a:xfrm>
-            <a:off x="457200" y="1600200"/>
-            <a:ext cx="4038600" cy="4525963"/>
+            <a:off x="1630680" y="1574800"/>
+            <a:ext cx="3291840" cy="4525963"/>
           </a:xfrm>
         </p:spPr>
         <p:txBody>
@@ -4164,7 +4124,7 @@
               <a:rPr lang="en-US" smtClean="0"/>
               <a:t>Fifth level</a:t>
             </a:r>
-            <a:endParaRPr lang="en-US"/>
+            <a:endParaRPr lang="en-US" dirty="0"/>
           </a:p>
         </p:txBody>
       </p:sp>
@@ -4180,8 +4140,8 @@
         </p:nvSpPr>
         <p:spPr>
           <a:xfrm>
-            <a:off x="4648200" y="1600200"/>
-            <a:ext cx="4038600" cy="4525963"/>
+            <a:off x="5090160" y="1574800"/>
+            <a:ext cx="3291840" cy="4525963"/>
           </a:xfrm>
         </p:spPr>
         <p:txBody>
@@ -4249,7 +4209,7 @@
               <a:rPr lang="en-US" smtClean="0"/>
               <a:t>Fifth level</a:t>
             </a:r>
-            <a:endParaRPr lang="en-US"/>
+            <a:endParaRPr lang="en-US" dirty="0"/>
           </a:p>
         </p:txBody>
       </p:sp>
@@ -4319,11 +4279,6 @@
         </p:txBody>
       </p:sp>
     </p:spTree>
-    <p:extLst>
-      <p:ext uri="{BB962C8B-B14F-4D97-AF65-F5344CB8AC3E}">
-        <p14:creationId xmlns:p14="http://schemas.microsoft.com/office/powerpoint/2010/main" val="2172994512"/>
-      </p:ext>
-    </p:extLst>
   </p:cSld>
   <p:clrMapOvr>
     <a:masterClrMapping/>
@@ -4387,16 +4342,23 @@
         </p:nvSpPr>
         <p:spPr>
           <a:xfrm>
-            <a:off x="457200" y="1535113"/>
-            <a:ext cx="4040188" cy="639762"/>
+            <a:off x="1627632" y="1572768"/>
+            <a:ext cx="3291840" cy="639762"/>
           </a:xfrm>
         </p:spPr>
         <p:txBody>
-          <a:bodyPr anchor="b"/>
+          <a:bodyPr anchor="b">
+            <a:noAutofit/>
+          </a:bodyPr>
           <a:lstStyle>
             <a:lvl1pPr marL="0" indent="0">
               <a:buNone/>
-              <a:defRPr sz="2400" b="1"/>
+              <a:defRPr sz="1800" b="0" cap="all" spc="100" baseline="0">
+                <a:solidFill>
+                  <a:schemeClr val="tx1"/>
+                </a:solidFill>
+                <a:latin typeface="+mj-lt"/>
+              </a:defRPr>
             </a:lvl1pPr>
             <a:lvl2pPr marL="457200" indent="0">
               <a:buNone/>
@@ -4452,8 +4414,8 @@
         </p:nvSpPr>
         <p:spPr>
           <a:xfrm>
-            <a:off x="457200" y="2174875"/>
-            <a:ext cx="4040188" cy="3951288"/>
+            <a:off x="1627632" y="2259366"/>
+            <a:ext cx="3291840" cy="3840480"/>
           </a:xfrm>
         </p:spPr>
         <p:txBody>
@@ -4521,7 +4483,7 @@
               <a:rPr lang="en-US" smtClean="0"/>
               <a:t>Fifth level</a:t>
             </a:r>
-            <a:endParaRPr lang="en-US"/>
+            <a:endParaRPr lang="en-US" dirty="0"/>
           </a:p>
         </p:txBody>
       </p:sp>
@@ -4537,16 +4499,25 @@
         </p:nvSpPr>
         <p:spPr>
           <a:xfrm>
-            <a:off x="4645025" y="1535113"/>
-            <a:ext cx="4041775" cy="639762"/>
+            <a:off x="5093208" y="1572768"/>
+            <a:ext cx="3291840" cy="639762"/>
           </a:xfrm>
         </p:spPr>
         <p:txBody>
-          <a:bodyPr anchor="b"/>
+          <a:bodyPr anchor="b">
+            <a:noAutofit/>
+          </a:bodyPr>
           <a:lstStyle>
             <a:lvl1pPr marL="0" indent="0">
               <a:buNone/>
-              <a:defRPr sz="2400" b="1"/>
+              <a:defRPr lang="en-US" sz="1800" b="0" kern="1200" cap="all" spc="100" baseline="0" dirty="0" smtClean="0">
+                <a:solidFill>
+                  <a:schemeClr val="tx1"/>
+                </a:solidFill>
+                <a:latin typeface="+mj-lt"/>
+                <a:ea typeface="+mn-ea"/>
+                <a:cs typeface="+mn-cs"/>
+              </a:defRPr>
             </a:lvl1pPr>
             <a:lvl2pPr marL="457200" indent="0">
               <a:buNone/>
@@ -4582,7 +4553,13 @@
             </a:lvl9pPr>
           </a:lstStyle>
           <a:p>
-            <a:pPr lvl="0"/>
+            <a:pPr marL="0" lvl="0" indent="0" algn="l" defTabSz="914400" rtl="0" eaLnBrk="1" latinLnBrk="0" hangingPunct="1">
+              <a:spcBef>
+                <a:spcPct val="20000"/>
+              </a:spcBef>
+              <a:buFont typeface="Arial" pitchFamily="34" charset="0"/>
+              <a:buNone/>
+            </a:pPr>
             <a:r>
               <a:rPr lang="en-US" smtClean="0"/>
               <a:t>Click to edit Master text styles</a:t>
@@ -4602,8 +4579,8 @@
         </p:nvSpPr>
         <p:spPr>
           <a:xfrm>
-            <a:off x="4645025" y="2174875"/>
-            <a:ext cx="4041775" cy="3951288"/>
+            <a:off x="5093208" y="2259366"/>
+            <a:ext cx="3291840" cy="3840480"/>
           </a:xfrm>
         </p:spPr>
         <p:txBody>
@@ -4671,7 +4648,7 @@
               <a:rPr lang="en-US" smtClean="0"/>
               <a:t>Fifth level</a:t>
             </a:r>
-            <a:endParaRPr lang="en-US"/>
+            <a:endParaRPr lang="en-US" dirty="0"/>
           </a:p>
         </p:txBody>
       </p:sp>
@@ -4741,11 +4718,6 @@
         </p:txBody>
       </p:sp>
     </p:spTree>
-    <p:extLst>
-      <p:ext uri="{BB962C8B-B14F-4D97-AF65-F5344CB8AC3E}">
-        <p14:creationId xmlns:p14="http://schemas.microsoft.com/office/powerpoint/2010/main" val="3911311311"/>
-      </p:ext>
-    </p:extLst>
   </p:cSld>
   <p:clrMapOvr>
     <a:masterClrMapping/>
@@ -4859,11 +4831,6 @@
         </p:txBody>
       </p:sp>
     </p:spTree>
-    <p:extLst>
-      <p:ext uri="{BB962C8B-B14F-4D97-AF65-F5344CB8AC3E}">
-        <p14:creationId xmlns:p14="http://schemas.microsoft.com/office/powerpoint/2010/main" val="391069610"/>
-      </p:ext>
-    </p:extLst>
   </p:cSld>
   <p:clrMapOvr>
     <a:masterClrMapping/>
@@ -4954,11 +4921,6 @@
         </p:txBody>
       </p:sp>
     </p:spTree>
-    <p:extLst>
-      <p:ext uri="{BB962C8B-B14F-4D97-AF65-F5344CB8AC3E}">
-        <p14:creationId xmlns:p14="http://schemas.microsoft.com/office/powerpoint/2010/main" val="2726913806"/>
-      </p:ext>
-    </p:extLst>
   </p:cSld>
   <p:clrMapOvr>
     <a:masterClrMapping/>
@@ -4985,38 +4947,6 @@
       </p:grpSpPr>
       <p:sp>
         <p:nvSpPr>
-          <p:cNvPr id="2" name="Title 1"/>
-          <p:cNvSpPr>
-            <a:spLocks noGrp="1"/>
-          </p:cNvSpPr>
-          <p:nvPr>
-            <p:ph type="title"/>
-          </p:nvPr>
-        </p:nvSpPr>
-        <p:spPr>
-          <a:xfrm>
-            <a:off x="457200" y="273050"/>
-            <a:ext cx="3008313" cy="1162050"/>
-          </a:xfrm>
-        </p:spPr>
-        <p:txBody>
-          <a:bodyPr anchor="b"/>
-          <a:lstStyle>
-            <a:lvl1pPr algn="l">
-              <a:defRPr sz="2000" b="1"/>
-            </a:lvl1pPr>
-          </a:lstStyle>
-          <a:p>
-            <a:r>
-              <a:rPr lang="en-US" smtClean="0"/>
-              <a:t>Click to edit Master title style</a:t>
-            </a:r>
-            <a:endParaRPr lang="en-US"/>
-          </a:p>
-        </p:txBody>
-      </p:sp>
-      <p:sp>
-        <p:nvSpPr>
           <p:cNvPr id="3" name="Content Placeholder 2"/>
           <p:cNvSpPr>
             <a:spLocks noGrp="1"/>
@@ -5027,8 +4957,8 @@
         </p:nvSpPr>
         <p:spPr>
           <a:xfrm>
-            <a:off x="3575050" y="273050"/>
-            <a:ext cx="5111750" cy="5853113"/>
+            <a:off x="3575050" y="1600200"/>
+            <a:ext cx="5111750" cy="4480560"/>
           </a:xfrm>
         </p:spPr>
         <p:txBody>
@@ -5096,7 +5026,7 @@
               <a:rPr lang="en-US" smtClean="0"/>
               <a:t>Fifth level</a:t>
             </a:r>
-            <a:endParaRPr lang="en-US"/>
+            <a:endParaRPr lang="en-US" dirty="0"/>
           </a:p>
         </p:txBody>
       </p:sp>
@@ -5112,16 +5042,18 @@
         </p:nvSpPr>
         <p:spPr>
           <a:xfrm>
-            <a:off x="457200" y="1435100"/>
-            <a:ext cx="3008313" cy="4691063"/>
+            <a:off x="457200" y="1600200"/>
+            <a:ext cx="3008313" cy="4480560"/>
           </a:xfrm>
         </p:spPr>
         <p:txBody>
-          <a:bodyPr/>
+          <a:bodyPr>
+            <a:normAutofit/>
+          </a:bodyPr>
           <a:lstStyle>
             <a:lvl1pPr marL="0" indent="0">
               <a:buNone/>
-              <a:defRPr sz="1400"/>
+              <a:defRPr sz="1600"/>
             </a:lvl1pPr>
             <a:lvl2pPr marL="457200" indent="0">
               <a:buNone/>
@@ -5222,20 +5154,39 @@
           <a:bodyPr/>
           <a:lstStyle/>
           <a:p>
-            <a:fld id="{74F375D5-D445-854A-BF69-EB9EF69DCB6A}" type="slidenum">
-              <a:rPr lang="en-US" smtClean="0"/>
+            <a:fld id="{2754ED01-E2A0-4C1E-8E21-014B99041579}" type="slidenum">
+              <a:rPr lang="en-US" smtClean="0"/>
+              <a:pPr/>
               <a:t>‹#›</a:t>
             </a:fld>
+            <a:endParaRPr lang="en-US" dirty="0"/>
+          </a:p>
+        </p:txBody>
+      </p:sp>
+      <p:sp>
+        <p:nvSpPr>
+          <p:cNvPr id="8" name="Title 7"/>
+          <p:cNvSpPr>
+            <a:spLocks noGrp="1"/>
+          </p:cNvSpPr>
+          <p:nvPr>
+            <p:ph type="title"/>
+          </p:nvPr>
+        </p:nvSpPr>
+        <p:spPr/>
+        <p:txBody>
+          <a:bodyPr/>
+          <a:lstStyle/>
+          <a:p>
+            <a:r>
+              <a:rPr lang="en-US" smtClean="0"/>
+              <a:t>Click to edit Master title style</a:t>
+            </a:r>
             <a:endParaRPr lang="en-US"/>
           </a:p>
         </p:txBody>
       </p:sp>
     </p:spTree>
-    <p:extLst>
-      <p:ext uri="{BB962C8B-B14F-4D97-AF65-F5344CB8AC3E}">
-        <p14:creationId xmlns:p14="http://schemas.microsoft.com/office/powerpoint/2010/main" val="3559884638"/>
-      </p:ext>
-    </p:extLst>
   </p:cSld>
   <p:clrMapOvr>
     <a:masterClrMapping/>
@@ -5244,7 +5195,7 @@
 </file>
 
 <file path=ppt/slideLayouts/slideLayout9.xml><?xml version="1.0" encoding="utf-8"?>
-<p:sldLayout xmlns:a="http://schemas.openxmlformats.org/drawingml/2006/main" xmlns:r="http://schemas.openxmlformats.org/officeDocument/2006/relationships" xmlns:p="http://schemas.openxmlformats.org/presentationml/2006/main" type="picTx" preserve="1">
+<p:sldLayout xmlns:a="http://schemas.openxmlformats.org/drawingml/2006/main" xmlns:r="http://schemas.openxmlformats.org/officeDocument/2006/relationships" xmlns:p="http://schemas.openxmlformats.org/presentationml/2006/main" showMasterSp="0" type="picTx" preserve="1">
   <p:cSld name="Picture with Caption">
     <p:spTree>
       <p:nvGrpSpPr>
@@ -5262,32 +5213,46 @@
       </p:grpSpPr>
       <p:sp>
         <p:nvSpPr>
-          <p:cNvPr id="2" name="Title 1"/>
-          <p:cNvSpPr>
-            <a:spLocks noGrp="1"/>
-          </p:cNvSpPr>
-          <p:nvPr>
-            <p:ph type="title"/>
-          </p:nvPr>
+          <p:cNvPr id="9" name="Rectangle 8"/>
+          <p:cNvSpPr/>
+          <p:nvPr/>
         </p:nvSpPr>
         <p:spPr>
           <a:xfrm>
-            <a:off x="1792288" y="4800600"/>
-            <a:ext cx="5486400" cy="566738"/>
+            <a:off x="9001124" y="4846320"/>
+            <a:ext cx="142876" cy="2011680"/>
           </a:xfrm>
+          <a:prstGeom prst="rect">
+            <a:avLst/>
+          </a:prstGeom>
+          <a:solidFill>
+            <a:schemeClr val="tx2"/>
+          </a:solidFill>
+          <a:ln>
+            <a:noFill/>
+          </a:ln>
         </p:spPr>
-        <p:txBody>
-          <a:bodyPr anchor="b"/>
-          <a:lstStyle>
-            <a:lvl1pPr algn="l">
-              <a:defRPr sz="2000" b="1"/>
-            </a:lvl1pPr>
-          </a:lstStyle>
-          <a:p>
-            <a:r>
-              <a:rPr lang="en-US" smtClean="0"/>
-              <a:t>Click to edit Master title style</a:t>
-            </a:r>
+        <p:style>
+          <a:lnRef idx="2">
+            <a:schemeClr val="accent1">
+              <a:shade val="50000"/>
+            </a:schemeClr>
+          </a:lnRef>
+          <a:fillRef idx="1">
+            <a:schemeClr val="accent1"/>
+          </a:fillRef>
+          <a:effectRef idx="0">
+            <a:schemeClr val="accent1"/>
+          </a:effectRef>
+          <a:fontRef idx="minor">
+            <a:schemeClr val="lt1"/>
+          </a:fontRef>
+        </p:style>
+        <p:txBody>
+          <a:bodyPr rtlCol="0" anchor="ctr"/>
+          <a:lstStyle/>
+          <a:p>
+            <a:pPr algn="ctr"/>
             <a:endParaRPr lang="en-US"/>
           </a:p>
         </p:txBody>
@@ -5304,9 +5269,14 @@
         </p:nvSpPr>
         <p:spPr>
           <a:xfrm>
-            <a:off x="1792288" y="612775"/>
-            <a:ext cx="5486400" cy="4114800"/>
+            <a:off x="-1" y="0"/>
+            <a:ext cx="9000877" cy="4846320"/>
           </a:xfrm>
+          <a:solidFill>
+            <a:schemeClr val="bg1">
+              <a:lumMod val="75000"/>
+            </a:schemeClr>
+          </a:solidFill>
         </p:spPr>
         <p:txBody>
           <a:bodyPr/>
@@ -5349,6 +5319,10 @@
             </a:lvl9pPr>
           </a:lstStyle>
           <a:p>
+            <a:r>
+              <a:rPr lang="en-US" smtClean="0"/>
+              <a:t>Drag picture to placeholder or click icon to add</a:t>
+            </a:r>
             <a:endParaRPr lang="en-US"/>
           </a:p>
         </p:txBody>
@@ -5365,8 +5339,8 @@
         </p:nvSpPr>
         <p:spPr>
           <a:xfrm>
-            <a:off x="1792288" y="5367338"/>
-            <a:ext cx="5486400" cy="804862"/>
+            <a:off x="457200" y="5715000"/>
+            <a:ext cx="8153400" cy="457200"/>
           </a:xfrm>
         </p:spPr>
         <p:txBody>
@@ -5374,7 +5348,7 @@
           <a:lstStyle>
             <a:lvl1pPr marL="0" indent="0">
               <a:buNone/>
-              <a:defRPr sz="1400"/>
+              <a:defRPr sz="1600"/>
             </a:lvl1pPr>
             <a:lvl2pPr marL="457200" indent="0">
               <a:buNone/>
@@ -5473,7 +5447,15 @@
         <p:spPr/>
         <p:txBody>
           <a:bodyPr/>
-          <a:lstStyle/>
+          <a:lstStyle>
+            <a:lvl1pPr>
+              <a:defRPr>
+                <a:solidFill>
+                  <a:schemeClr val="tx1"/>
+                </a:solidFill>
+              </a:defRPr>
+            </a:lvl1pPr>
+          </a:lstStyle>
           <a:p>
             <a:fld id="{74F375D5-D445-854A-BF69-EB9EF69DCB6A}" type="slidenum">
               <a:rPr lang="en-US" smtClean="0"/>
@@ -5483,12 +5465,87 @@
           </a:p>
         </p:txBody>
       </p:sp>
+      <p:sp>
+        <p:nvSpPr>
+          <p:cNvPr id="8" name="Title 7"/>
+          <p:cNvSpPr>
+            <a:spLocks noGrp="1"/>
+          </p:cNvSpPr>
+          <p:nvPr>
+            <p:ph type="title"/>
+          </p:nvPr>
+        </p:nvSpPr>
+        <p:spPr>
+          <a:xfrm>
+            <a:off x="457200" y="4953000"/>
+            <a:ext cx="8153400" cy="762000"/>
+          </a:xfrm>
+        </p:spPr>
+        <p:txBody>
+          <a:bodyPr anchor="t">
+            <a:normAutofit/>
+          </a:bodyPr>
+          <a:lstStyle>
+            <a:lvl1pPr>
+              <a:defRPr sz="3200"/>
+            </a:lvl1pPr>
+          </a:lstStyle>
+          <a:p>
+            <a:r>
+              <a:rPr lang="en-US" smtClean="0"/>
+              <a:t>Click to edit Master title style</a:t>
+            </a:r>
+            <a:endParaRPr lang="en-US" dirty="0"/>
+          </a:p>
+        </p:txBody>
+      </p:sp>
+      <p:sp>
+        <p:nvSpPr>
+          <p:cNvPr id="10" name="Rectangle 9"/>
+          <p:cNvSpPr/>
+          <p:nvPr/>
+        </p:nvSpPr>
+        <p:spPr>
+          <a:xfrm>
+            <a:off x="9001124" y="0"/>
+            <a:ext cx="142876" cy="4846320"/>
+          </a:xfrm>
+          <a:prstGeom prst="rect">
+            <a:avLst/>
+          </a:prstGeom>
+          <a:solidFill>
+            <a:schemeClr val="tx1"/>
+          </a:solidFill>
+          <a:ln>
+            <a:noFill/>
+          </a:ln>
+        </p:spPr>
+        <p:style>
+          <a:lnRef idx="2">
+            <a:schemeClr val="accent1">
+              <a:shade val="50000"/>
+            </a:schemeClr>
+          </a:lnRef>
+          <a:fillRef idx="1">
+            <a:schemeClr val="accent1"/>
+          </a:fillRef>
+          <a:effectRef idx="0">
+            <a:schemeClr val="accent1"/>
+          </a:effectRef>
+          <a:fontRef idx="minor">
+            <a:schemeClr val="lt1"/>
+          </a:fontRef>
+        </p:style>
+        <p:txBody>
+          <a:bodyPr rtlCol="0" anchor="ctr"/>
+          <a:lstStyle/>
+          <a:p>
+            <a:pPr algn="ctr"/>
+            <a:endParaRPr lang="en-US"/>
+          </a:p>
+        </p:txBody>
+      </p:sp>
     </p:spTree>
-    <p:extLst>
-      <p:ext uri="{BB962C8B-B14F-4D97-AF65-F5344CB8AC3E}">
-        <p14:creationId xmlns:p14="http://schemas.microsoft.com/office/powerpoint/2010/main" val="3733542273"/>
-      </p:ext>
-    </p:extLst>
   </p:cSld>
   <p:clrMapOvr>
     <a:masterClrMapping/>
@@ -5530,15 +5587,15 @@
         </p:nvSpPr>
         <p:spPr>
           <a:xfrm>
-            <a:off x="457200" y="274638"/>
-            <a:ext cx="8229600" cy="1143000"/>
+            <a:off x="457200" y="152718"/>
+            <a:ext cx="5791200" cy="1371600"/>
           </a:xfrm>
           <a:prstGeom prst="rect">
             <a:avLst/>
           </a:prstGeom>
         </p:spPr>
         <p:txBody>
-          <a:bodyPr vert="horz" lIns="91440" tIns="45720" rIns="91440" bIns="45720" rtlCol="0" anchor="ctr">
+          <a:bodyPr vert="horz" lIns="91440" tIns="45720" rIns="91440" bIns="45720" rtlCol="0" anchor="b">
             <a:normAutofit/>
           </a:bodyPr>
           <a:lstStyle/>
@@ -5547,7 +5604,7 @@
               <a:rPr lang="en-US" smtClean="0"/>
               <a:t>Click to edit Master title style</a:t>
             </a:r>
-            <a:endParaRPr lang="en-US"/>
+            <a:endParaRPr lang="en-US" dirty="0"/>
           </a:p>
         </p:txBody>
       </p:sp>
@@ -5563,8 +5620,8 @@
         </p:nvSpPr>
         <p:spPr>
           <a:xfrm>
-            <a:off x="457200" y="1600200"/>
-            <a:ext cx="8229600" cy="4525963"/>
+            <a:off x="457200" y="1752600"/>
+            <a:ext cx="7620000" cy="4373563"/>
           </a:xfrm>
           <a:prstGeom prst="rect">
             <a:avLst/>
@@ -5609,7 +5666,7 @@
               <a:rPr lang="en-US" smtClean="0"/>
               <a:t>Fifth level</a:t>
             </a:r>
-            <a:endParaRPr lang="en-US"/>
+            <a:endParaRPr lang="en-US" dirty="0"/>
           </a:p>
         </p:txBody>
       </p:sp>
@@ -5625,22 +5682,20 @@
         </p:nvSpPr>
         <p:spPr>
           <a:xfrm>
-            <a:off x="457200" y="6356350"/>
-            <a:ext cx="2133600" cy="365125"/>
+            <a:off x="457200" y="6172201"/>
+            <a:ext cx="3429000" cy="304800"/>
           </a:xfrm>
           <a:prstGeom prst="rect">
             <a:avLst/>
           </a:prstGeom>
         </p:spPr>
         <p:txBody>
-          <a:bodyPr vert="horz" lIns="91440" tIns="45720" rIns="91440" bIns="45720" rtlCol="0" anchor="ctr"/>
+          <a:bodyPr vert="horz" lIns="91440" tIns="45720" rIns="91440" bIns="0" rtlCol="0" anchor="b"/>
           <a:lstStyle>
             <a:lvl1pPr algn="l">
-              <a:defRPr sz="1200">
+              <a:defRPr sz="1000">
                 <a:solidFill>
-                  <a:schemeClr val="tx1">
-                    <a:tint val="75000"/>
-                  </a:schemeClr>
+                  <a:schemeClr val="tx1"/>
                 </a:solidFill>
               </a:defRPr>
             </a:lvl1pPr>
@@ -5666,22 +5721,20 @@
         </p:nvSpPr>
         <p:spPr>
           <a:xfrm>
-            <a:off x="3124200" y="6356350"/>
-            <a:ext cx="2895600" cy="365125"/>
+            <a:off x="457200" y="6492875"/>
+            <a:ext cx="3429000" cy="283845"/>
           </a:xfrm>
           <a:prstGeom prst="rect">
             <a:avLst/>
           </a:prstGeom>
         </p:spPr>
         <p:txBody>
-          <a:bodyPr vert="horz" lIns="91440" tIns="45720" rIns="91440" bIns="45720" rtlCol="0" anchor="ctr"/>
+          <a:bodyPr vert="horz" lIns="91440" tIns="45720" rIns="91440" bIns="45720" rtlCol="0" anchor="t"/>
           <a:lstStyle>
-            <a:lvl1pPr algn="ctr">
-              <a:defRPr sz="1200">
+            <a:lvl1pPr algn="l">
+              <a:defRPr sz="1000">
                 <a:solidFill>
-                  <a:schemeClr val="tx1">
-                    <a:tint val="75000"/>
-                  </a:schemeClr>
+                  <a:schemeClr val="tx1"/>
                 </a:solidFill>
               </a:defRPr>
             </a:lvl1pPr>
@@ -5702,9 +5755,9 @@
           </p:nvPr>
         </p:nvSpPr>
         <p:spPr>
-          <a:xfrm>
-            <a:off x="6553200" y="6356350"/>
-            <a:ext cx="2133600" cy="365125"/>
+          <a:xfrm rot="16200000">
+            <a:off x="8227377" y="5885497"/>
+            <a:ext cx="1315721" cy="365125"/>
           </a:xfrm>
           <a:prstGeom prst="rect">
             <a:avLst/>
@@ -5713,12 +5766,10 @@
         <p:txBody>
           <a:bodyPr vert="horz" lIns="91440" tIns="45720" rIns="91440" bIns="45720" rtlCol="0" anchor="ctr"/>
           <a:lstStyle>
-            <a:lvl1pPr algn="r">
-              <a:defRPr sz="1200">
+            <a:lvl1pPr algn="l">
+              <a:defRPr sz="2400" b="1">
                 <a:solidFill>
-                  <a:schemeClr val="tx1">
-                    <a:tint val="75000"/>
-                  </a:schemeClr>
+                  <a:schemeClr val="tx2"/>
                 </a:solidFill>
               </a:defRPr>
             </a:lvl1pPr>
@@ -5732,37 +5783,124 @@
           </a:p>
         </p:txBody>
       </p:sp>
+      <p:sp>
+        <p:nvSpPr>
+          <p:cNvPr id="7" name="Rectangle 6"/>
+          <p:cNvSpPr/>
+          <p:nvPr/>
+        </p:nvSpPr>
+        <p:spPr>
+          <a:xfrm>
+            <a:off x="9001124" y="0"/>
+            <a:ext cx="142876" cy="1371600"/>
+          </a:xfrm>
+          <a:prstGeom prst="rect">
+            <a:avLst/>
+          </a:prstGeom>
+          <a:solidFill>
+            <a:schemeClr val="tx2"/>
+          </a:solidFill>
+          <a:ln>
+            <a:noFill/>
+          </a:ln>
+        </p:spPr>
+        <p:style>
+          <a:lnRef idx="2">
+            <a:schemeClr val="accent1">
+              <a:shade val="50000"/>
+            </a:schemeClr>
+          </a:lnRef>
+          <a:fillRef idx="1">
+            <a:schemeClr val="accent1"/>
+          </a:fillRef>
+          <a:effectRef idx="0">
+            <a:schemeClr val="accent1"/>
+          </a:effectRef>
+          <a:fontRef idx="minor">
+            <a:schemeClr val="lt1"/>
+          </a:fontRef>
+        </p:style>
+        <p:txBody>
+          <a:bodyPr rtlCol="0" anchor="ctr"/>
+          <a:lstStyle/>
+          <a:p>
+            <a:pPr algn="ctr"/>
+            <a:endParaRPr lang="en-US"/>
+          </a:p>
+        </p:txBody>
+      </p:sp>
+      <p:sp>
+        <p:nvSpPr>
+          <p:cNvPr id="8" name="Rectangle 7"/>
+          <p:cNvSpPr/>
+          <p:nvPr/>
+        </p:nvSpPr>
+        <p:spPr>
+          <a:xfrm>
+            <a:off x="9001124" y="1371600"/>
+            <a:ext cx="142876" cy="5486400"/>
+          </a:xfrm>
+          <a:prstGeom prst="rect">
+            <a:avLst/>
+          </a:prstGeom>
+          <a:solidFill>
+            <a:schemeClr val="tx1"/>
+          </a:solidFill>
+          <a:ln>
+            <a:noFill/>
+          </a:ln>
+        </p:spPr>
+        <p:style>
+          <a:lnRef idx="2">
+            <a:schemeClr val="accent1">
+              <a:shade val="50000"/>
+            </a:schemeClr>
+          </a:lnRef>
+          <a:fillRef idx="1">
+            <a:schemeClr val="accent1"/>
+          </a:fillRef>
+          <a:effectRef idx="0">
+            <a:schemeClr val="accent1"/>
+          </a:effectRef>
+          <a:fontRef idx="minor">
+            <a:schemeClr val="lt1"/>
+          </a:fontRef>
+        </p:style>
+        <p:txBody>
+          <a:bodyPr rtlCol="0" anchor="ctr"/>
+          <a:lstStyle/>
+          <a:p>
+            <a:pPr algn="ctr"/>
+            <a:endParaRPr lang="en-US"/>
+          </a:p>
+        </p:txBody>
+      </p:sp>
     </p:spTree>
-    <p:extLst>
-      <p:ext uri="{BB962C8B-B14F-4D97-AF65-F5344CB8AC3E}">
-        <p14:creationId xmlns:p14="http://schemas.microsoft.com/office/powerpoint/2010/main" val="3629829147"/>
-      </p:ext>
-    </p:extLst>
   </p:cSld>
   <p:clrMap bg1="lt1" tx1="dk1" bg2="lt2" tx2="dk2" accent1="accent1" accent2="accent2" accent3="accent3" accent4="accent4" accent5="accent5" accent6="accent6" hlink="hlink" folHlink="folHlink"/>
   <p:sldLayoutIdLst>
-    <p:sldLayoutId id="2147483649" r:id="rId1"/>
-    <p:sldLayoutId id="2147483650" r:id="rId2"/>
-    <p:sldLayoutId id="2147483651" r:id="rId3"/>
-    <p:sldLayoutId id="2147483652" r:id="rId4"/>
-    <p:sldLayoutId id="2147483653" r:id="rId5"/>
-    <p:sldLayoutId id="2147483654" r:id="rId6"/>
-    <p:sldLayoutId id="2147483655" r:id="rId7"/>
-    <p:sldLayoutId id="2147483656" r:id="rId8"/>
-    <p:sldLayoutId id="2147483657" r:id="rId9"/>
-    <p:sldLayoutId id="2147483658" r:id="rId10"/>
-    <p:sldLayoutId id="2147483659" r:id="rId11"/>
+    <p:sldLayoutId id="2147483719" r:id="rId1"/>
+    <p:sldLayoutId id="2147483720" r:id="rId2"/>
+    <p:sldLayoutId id="2147483721" r:id="rId3"/>
+    <p:sldLayoutId id="2147483722" r:id="rId4"/>
+    <p:sldLayoutId id="2147483723" r:id="rId5"/>
+    <p:sldLayoutId id="2147483724" r:id="rId6"/>
+    <p:sldLayoutId id="2147483725" r:id="rId7"/>
+    <p:sldLayoutId id="2147483726" r:id="rId8"/>
+    <p:sldLayoutId id="2147483727" r:id="rId9"/>
+    <p:sldLayoutId id="2147483728" r:id="rId10"/>
+    <p:sldLayoutId id="2147483729" r:id="rId11"/>
   </p:sldLayoutIdLst>
   <p:txStyles>
     <p:titleStyle>
-      <a:lvl1pPr algn="ctr" defTabSz="457200" rtl="0" eaLnBrk="1" latinLnBrk="0" hangingPunct="1">
+      <a:lvl1pPr algn="l" defTabSz="914400" rtl="0" eaLnBrk="1" latinLnBrk="0" hangingPunct="1">
         <a:spcBef>
           <a:spcPct val="0"/>
         </a:spcBef>
         <a:buNone/>
-        <a:defRPr sz="4400" kern="1200">
+        <a:defRPr sz="3600" kern="1200" cap="all" spc="-60" baseline="0">
           <a:solidFill>
-            <a:schemeClr val="tx1"/>
+            <a:schemeClr val="tx2"/>
           </a:solidFill>
           <a:latin typeface="+mj-lt"/>
           <a:ea typeface="+mj-ea"/>
@@ -5771,13 +5909,16 @@
       </a:lvl1pPr>
     </p:titleStyle>
     <p:bodyStyle>
-      <a:lvl1pPr marL="342900" indent="-342900" algn="l" defTabSz="457200" rtl="0" eaLnBrk="1" latinLnBrk="0" hangingPunct="1">
+      <a:lvl1pPr marL="0" indent="0" algn="l" defTabSz="914400" rtl="0" eaLnBrk="1" latinLnBrk="0" hangingPunct="1">
         <a:spcBef>
           <a:spcPct val="20000"/>
         </a:spcBef>
-        <a:buFont typeface="Arial"/>
-        <a:buChar char="•"/>
-        <a:defRPr sz="3200" kern="1200">
+        <a:spcAft>
+          <a:spcPts val="600"/>
+        </a:spcAft>
+        <a:buFont typeface="Arial" pitchFamily="34" charset="0"/>
+        <a:buNone/>
+        <a:defRPr sz="2000" b="1" kern="1200">
           <a:solidFill>
             <a:schemeClr val="tx1"/>
           </a:solidFill>
@@ -5786,71 +5927,14 @@
           <a:cs typeface="+mn-cs"/>
         </a:defRPr>
       </a:lvl1pPr>
-      <a:lvl2pPr marL="742950" indent="-285750" algn="l" defTabSz="457200" rtl="0" eaLnBrk="1" latinLnBrk="0" hangingPunct="1">
+      <a:lvl2pPr marL="457200" indent="-182880" algn="l" defTabSz="914400" rtl="0" eaLnBrk="1" latinLnBrk="0" hangingPunct="1">
         <a:spcBef>
           <a:spcPct val="20000"/>
         </a:spcBef>
-        <a:buFont typeface="Arial"/>
-        <a:buChar char="–"/>
-        <a:defRPr sz="2800" kern="1200">
-          <a:solidFill>
-            <a:schemeClr val="tx1"/>
-          </a:solidFill>
-          <a:latin typeface="+mn-lt"/>
-          <a:ea typeface="+mn-ea"/>
-          <a:cs typeface="+mn-cs"/>
-        </a:defRPr>
-      </a:lvl2pPr>
-      <a:lvl3pPr marL="1143000" indent="-228600" algn="l" defTabSz="457200" rtl="0" eaLnBrk="1" latinLnBrk="0" hangingPunct="1">
-        <a:spcBef>
-          <a:spcPct val="20000"/>
-        </a:spcBef>
-        <a:buFont typeface="Arial"/>
-        <a:buChar char="•"/>
-        <a:defRPr sz="2400" kern="1200">
-          <a:solidFill>
-            <a:schemeClr val="tx1"/>
-          </a:solidFill>
-          <a:latin typeface="+mn-lt"/>
-          <a:ea typeface="+mn-ea"/>
-          <a:cs typeface="+mn-cs"/>
-        </a:defRPr>
-      </a:lvl3pPr>
-      <a:lvl4pPr marL="1600200" indent="-228600" algn="l" defTabSz="457200" rtl="0" eaLnBrk="1" latinLnBrk="0" hangingPunct="1">
-        <a:spcBef>
-          <a:spcPct val="20000"/>
-        </a:spcBef>
-        <a:buFont typeface="Arial"/>
-        <a:buChar char="–"/>
-        <a:defRPr sz="2000" kern="1200">
-          <a:solidFill>
-            <a:schemeClr val="tx1"/>
-          </a:solidFill>
-          <a:latin typeface="+mn-lt"/>
-          <a:ea typeface="+mn-ea"/>
-          <a:cs typeface="+mn-cs"/>
-        </a:defRPr>
-      </a:lvl4pPr>
-      <a:lvl5pPr marL="2057400" indent="-228600" algn="l" defTabSz="457200" rtl="0" eaLnBrk="1" latinLnBrk="0" hangingPunct="1">
-        <a:spcBef>
-          <a:spcPct val="20000"/>
-        </a:spcBef>
-        <a:buFont typeface="Arial"/>
-        <a:buChar char="»"/>
-        <a:defRPr sz="2000" kern="1200">
-          <a:solidFill>
-            <a:schemeClr val="tx1"/>
-          </a:solidFill>
-          <a:latin typeface="+mn-lt"/>
-          <a:ea typeface="+mn-ea"/>
-          <a:cs typeface="+mn-cs"/>
-        </a:defRPr>
-      </a:lvl5pPr>
-      <a:lvl6pPr marL="2514600" indent="-228600" algn="l" defTabSz="457200" rtl="0" eaLnBrk="1" latinLnBrk="0" hangingPunct="1">
-        <a:spcBef>
-          <a:spcPct val="20000"/>
-        </a:spcBef>
-        <a:buFont typeface="Arial"/>
+        <a:buClr>
+          <a:schemeClr val="tx2"/>
+        </a:buClr>
+        <a:buFont typeface="Arial" pitchFamily="34" charset="0"/>
         <a:buChar char="•"/>
         <a:defRPr sz="2000" kern="1200">
           <a:solidFill>
@@ -5860,14 +5944,89 @@
           <a:ea typeface="+mn-ea"/>
           <a:cs typeface="+mn-cs"/>
         </a:defRPr>
-      </a:lvl6pPr>
-      <a:lvl7pPr marL="2971800" indent="-228600" algn="l" defTabSz="457200" rtl="0" eaLnBrk="1" latinLnBrk="0" hangingPunct="1">
+      </a:lvl2pPr>
+      <a:lvl3pPr marL="1143000" indent="-228600" algn="l" defTabSz="914400" rtl="0" eaLnBrk="1" latinLnBrk="0" hangingPunct="1">
         <a:spcBef>
           <a:spcPct val="20000"/>
         </a:spcBef>
-        <a:buFont typeface="Arial"/>
+        <a:buClr>
+          <a:schemeClr val="tx2"/>
+        </a:buClr>
+        <a:buFont typeface="Arial" pitchFamily="34" charset="0"/>
         <a:buChar char="•"/>
-        <a:defRPr sz="2000" kern="1200">
+        <a:defRPr sz="1800" kern="1200">
+          <a:solidFill>
+            <a:schemeClr val="tx1"/>
+          </a:solidFill>
+          <a:latin typeface="+mn-lt"/>
+          <a:ea typeface="+mn-ea"/>
+          <a:cs typeface="+mn-cs"/>
+        </a:defRPr>
+      </a:lvl3pPr>
+      <a:lvl4pPr marL="1600200" indent="-228600" algn="l" defTabSz="914400" rtl="0" eaLnBrk="1" latinLnBrk="0" hangingPunct="1">
+        <a:spcBef>
+          <a:spcPct val="20000"/>
+        </a:spcBef>
+        <a:buClr>
+          <a:schemeClr val="tx2"/>
+        </a:buClr>
+        <a:buFont typeface="Arial" pitchFamily="34" charset="0"/>
+        <a:buChar char="•"/>
+        <a:defRPr sz="1800" kern="1200">
+          <a:solidFill>
+            <a:schemeClr val="tx1"/>
+          </a:solidFill>
+          <a:latin typeface="+mn-lt"/>
+          <a:ea typeface="+mn-ea"/>
+          <a:cs typeface="+mn-cs"/>
+        </a:defRPr>
+      </a:lvl4pPr>
+      <a:lvl5pPr marL="2057400" indent="-228600" algn="l" defTabSz="914400" rtl="0" eaLnBrk="1" latinLnBrk="0" hangingPunct="1">
+        <a:spcBef>
+          <a:spcPct val="20000"/>
+        </a:spcBef>
+        <a:buClr>
+          <a:schemeClr val="tx2"/>
+        </a:buClr>
+        <a:buFont typeface="Arial" pitchFamily="34" charset="0"/>
+        <a:buChar char="•"/>
+        <a:defRPr sz="1800" kern="1200" baseline="0">
+          <a:solidFill>
+            <a:schemeClr val="tx1"/>
+          </a:solidFill>
+          <a:latin typeface="+mn-lt"/>
+          <a:ea typeface="+mn-ea"/>
+          <a:cs typeface="+mn-cs"/>
+        </a:defRPr>
+      </a:lvl5pPr>
+      <a:lvl6pPr marL="2514600" indent="-228600" algn="l" defTabSz="914400" rtl="0" eaLnBrk="1" latinLnBrk="0" hangingPunct="1">
+        <a:spcBef>
+          <a:spcPct val="20000"/>
+        </a:spcBef>
+        <a:buClr>
+          <a:schemeClr val="tx2"/>
+        </a:buClr>
+        <a:buFont typeface="Arial" pitchFamily="34" charset="0"/>
+        <a:buChar char="•"/>
+        <a:defRPr sz="1600" kern="1200">
+          <a:solidFill>
+            <a:schemeClr val="tx1"/>
+          </a:solidFill>
+          <a:latin typeface="+mn-lt"/>
+          <a:ea typeface="+mn-ea"/>
+          <a:cs typeface="+mn-cs"/>
+        </a:defRPr>
+      </a:lvl6pPr>
+      <a:lvl7pPr marL="2971800" indent="-228600" algn="l" defTabSz="914400" rtl="0" eaLnBrk="1" latinLnBrk="0" hangingPunct="1">
+        <a:spcBef>
+          <a:spcPct val="20000"/>
+        </a:spcBef>
+        <a:buClr>
+          <a:schemeClr val="tx2"/>
+        </a:buClr>
+        <a:buFont typeface="Arial" pitchFamily="34" charset="0"/>
+        <a:buChar char="•"/>
+        <a:defRPr sz="1600" kern="1200">
           <a:solidFill>
             <a:schemeClr val="tx1"/>
           </a:solidFill>
@@ -5876,13 +6035,16 @@
           <a:cs typeface="+mn-cs"/>
         </a:defRPr>
       </a:lvl7pPr>
-      <a:lvl8pPr marL="3429000" indent="-228600" algn="l" defTabSz="457200" rtl="0" eaLnBrk="1" latinLnBrk="0" hangingPunct="1">
+      <a:lvl8pPr marL="3429000" indent="-228600" algn="l" defTabSz="914400" rtl="0" eaLnBrk="1" latinLnBrk="0" hangingPunct="1">
         <a:spcBef>
           <a:spcPct val="20000"/>
         </a:spcBef>
-        <a:buFont typeface="Arial"/>
+        <a:buClr>
+          <a:schemeClr val="tx2"/>
+        </a:buClr>
+        <a:buFont typeface="Arial" pitchFamily="34" charset="0"/>
         <a:buChar char="•"/>
-        <a:defRPr sz="2000" kern="1200">
+        <a:defRPr sz="1600" kern="1200">
           <a:solidFill>
             <a:schemeClr val="tx1"/>
           </a:solidFill>
@@ -5891,13 +6053,16 @@
           <a:cs typeface="+mn-cs"/>
         </a:defRPr>
       </a:lvl8pPr>
-      <a:lvl9pPr marL="3886200" indent="-228600" algn="l" defTabSz="457200" rtl="0" eaLnBrk="1" latinLnBrk="0" hangingPunct="1">
+      <a:lvl9pPr marL="3886200" indent="-228600" algn="l" defTabSz="914400" rtl="0" eaLnBrk="1" latinLnBrk="0" hangingPunct="1">
         <a:spcBef>
           <a:spcPct val="20000"/>
         </a:spcBef>
-        <a:buFont typeface="Arial"/>
+        <a:buClr>
+          <a:schemeClr val="tx2"/>
+        </a:buClr>
+        <a:buFont typeface="Arial" pitchFamily="34" charset="0"/>
         <a:buChar char="•"/>
-        <a:defRPr sz="2000" kern="1200">
+        <a:defRPr sz="1600" kern="1200">
           <a:solidFill>
             <a:schemeClr val="tx1"/>
           </a:solidFill>
@@ -5911,7 +6076,7 @@
       <a:defPPr>
         <a:defRPr lang="en-US"/>
       </a:defPPr>
-      <a:lvl1pPr marL="0" algn="l" defTabSz="457200" rtl="0" eaLnBrk="1" latinLnBrk="0" hangingPunct="1">
+      <a:lvl1pPr marL="0" algn="l" defTabSz="914400" rtl="0" eaLnBrk="1" latinLnBrk="0" hangingPunct="1">
         <a:defRPr sz="1800" kern="1200">
           <a:solidFill>
             <a:schemeClr val="tx1"/>
@@ -5921,7 +6086,7 @@
           <a:cs typeface="+mn-cs"/>
         </a:defRPr>
       </a:lvl1pPr>
-      <a:lvl2pPr marL="457200" algn="l" defTabSz="457200" rtl="0" eaLnBrk="1" latinLnBrk="0" hangingPunct="1">
+      <a:lvl2pPr marL="457200" algn="l" defTabSz="914400" rtl="0" eaLnBrk="1" latinLnBrk="0" hangingPunct="1">
         <a:defRPr sz="1800" kern="1200">
           <a:solidFill>
             <a:schemeClr val="tx1"/>
@@ -5931,7 +6096,7 @@
           <a:cs typeface="+mn-cs"/>
         </a:defRPr>
       </a:lvl2pPr>
-      <a:lvl3pPr marL="914400" algn="l" defTabSz="457200" rtl="0" eaLnBrk="1" latinLnBrk="0" hangingPunct="1">
+      <a:lvl3pPr marL="914400" algn="l" defTabSz="914400" rtl="0" eaLnBrk="1" latinLnBrk="0" hangingPunct="1">
         <a:defRPr sz="1800" kern="1200">
           <a:solidFill>
             <a:schemeClr val="tx1"/>
@@ -5941,7 +6106,7 @@
           <a:cs typeface="+mn-cs"/>
         </a:defRPr>
       </a:lvl3pPr>
-      <a:lvl4pPr marL="1371600" algn="l" defTabSz="457200" rtl="0" eaLnBrk="1" latinLnBrk="0" hangingPunct="1">
+      <a:lvl4pPr marL="1371600" algn="l" defTabSz="914400" rtl="0" eaLnBrk="1" latinLnBrk="0" hangingPunct="1">
         <a:defRPr sz="1800" kern="1200">
           <a:solidFill>
             <a:schemeClr val="tx1"/>
@@ -5951,7 +6116,7 @@
           <a:cs typeface="+mn-cs"/>
         </a:defRPr>
       </a:lvl4pPr>
-      <a:lvl5pPr marL="1828800" algn="l" defTabSz="457200" rtl="0" eaLnBrk="1" latinLnBrk="0" hangingPunct="1">
+      <a:lvl5pPr marL="1828800" algn="l" defTabSz="914400" rtl="0" eaLnBrk="1" latinLnBrk="0" hangingPunct="1">
         <a:defRPr sz="1800" kern="1200">
           <a:solidFill>
             <a:schemeClr val="tx1"/>
@@ -5961,7 +6126,7 @@
           <a:cs typeface="+mn-cs"/>
         </a:defRPr>
       </a:lvl5pPr>
-      <a:lvl6pPr marL="2286000" algn="l" defTabSz="457200" rtl="0" eaLnBrk="1" latinLnBrk="0" hangingPunct="1">
+      <a:lvl6pPr marL="2286000" algn="l" defTabSz="914400" rtl="0" eaLnBrk="1" latinLnBrk="0" hangingPunct="1">
         <a:defRPr sz="1800" kern="1200">
           <a:solidFill>
             <a:schemeClr val="tx1"/>
@@ -5971,7 +6136,7 @@
           <a:cs typeface="+mn-cs"/>
         </a:defRPr>
       </a:lvl6pPr>
-      <a:lvl7pPr marL="2743200" algn="l" defTabSz="457200" rtl="0" eaLnBrk="1" latinLnBrk="0" hangingPunct="1">
+      <a:lvl7pPr marL="2743200" algn="l" defTabSz="914400" rtl="0" eaLnBrk="1" latinLnBrk="0" hangingPunct="1">
         <a:defRPr sz="1800" kern="1200">
           <a:solidFill>
             <a:schemeClr val="tx1"/>
@@ -5981,7 +6146,7 @@
           <a:cs typeface="+mn-cs"/>
         </a:defRPr>
       </a:lvl7pPr>
-      <a:lvl8pPr marL="3200400" algn="l" defTabSz="457200" rtl="0" eaLnBrk="1" latinLnBrk="0" hangingPunct="1">
+      <a:lvl8pPr marL="3200400" algn="l" defTabSz="914400" rtl="0" eaLnBrk="1" latinLnBrk="0" hangingPunct="1">
         <a:defRPr sz="1800" kern="1200">
           <a:solidFill>
             <a:schemeClr val="tx1"/>
@@ -5991,7 +6156,7 @@
           <a:cs typeface="+mn-cs"/>
         </a:defRPr>
       </a:lvl8pPr>
-      <a:lvl9pPr marL="3657600" algn="l" defTabSz="457200" rtl="0" eaLnBrk="1" latinLnBrk="0" hangingPunct="1">
+      <a:lvl9pPr marL="3657600" algn="l" defTabSz="914400" rtl="0" eaLnBrk="1" latinLnBrk="0" hangingPunct="1">
         <a:defRPr sz="1800" kern="1200">
           <a:solidFill>
             <a:schemeClr val="tx1"/>
@@ -6116,7 +6281,7 @@
           <a:p>
             <a:r>
               <a:rPr lang="en-US" dirty="0" smtClean="0"/>
-              <a:t>Goals</a:t>
+              <a:t>3 Goals/Products</a:t>
             </a:r>
             <a:endParaRPr lang="en-US" dirty="0"/>
           </a:p>
@@ -6135,7 +6300,7 @@
         <p:spPr/>
         <p:txBody>
           <a:bodyPr>
-            <a:normAutofit fontScale="92500"/>
+            <a:normAutofit/>
           </a:bodyPr>
           <a:lstStyle/>
           <a:p>
@@ -6145,8 +6310,29 @@
             </a:pPr>
             <a:r>
               <a:rPr lang="en-US" dirty="0" smtClean="0"/>
-              <a:t>Create clusters of articles based on topic modeling (LDA, Word Embedding) (80%)</a:t>
-            </a:r>
+              <a:t>Create clusters of articles based on topic modeling (LDA, Word Embedding) from any </a:t>
+            </a:r>
+            <a:r>
+              <a:rPr lang="en-US" dirty="0" err="1" smtClean="0"/>
+              <a:t>Pubmed</a:t>
+            </a:r>
+            <a:r>
+              <a:rPr lang="en-US" dirty="0" smtClean="0"/>
+              <a:t>-compliant XML </a:t>
+            </a:r>
+            <a:r>
+              <a:rPr lang="en-US" dirty="0"/>
+              <a:t>(</a:t>
+            </a:r>
+            <a:r>
+              <a:rPr lang="en-US" dirty="0" smtClean="0"/>
+              <a:t>80-100%</a:t>
+            </a:r>
+            <a:r>
+              <a:rPr lang="en-US" dirty="0"/>
+              <a:t>) </a:t>
+            </a:r>
+            <a:endParaRPr lang="en-US" dirty="0" smtClean="0"/>
           </a:p>
           <a:p>
             <a:pPr marL="514350" indent="-514350">
@@ -6155,7 +6341,15 @@
             </a:pPr>
             <a:r>
               <a:rPr lang="en-US" dirty="0" smtClean="0"/>
-              <a:t>Based on a limited set of known articles, find other articles that are similar using topic models (via either direct similarity comparison OR by building a new search string from metadata associated with article topic clusters) (?%)</a:t>
+              <a:t>Based on a set of known articles, find other articles that are similar using </a:t>
+            </a:r>
+            <a:r>
+              <a:rPr lang="en-US" smtClean="0"/>
+              <a:t>topic modeling </a:t>
+            </a:r>
+            <a:r>
+              <a:rPr lang="en-US" dirty="0" smtClean="0"/>
+              <a:t>(via either direct similarity comparison OR by building a new search string from metadata associated with article topic clusters) (?%)</a:t>
             </a:r>
           </a:p>
           <a:p>
@@ -6239,8 +6433,8 @@
           </p:nvPr>
         </p:nvGraphicFramePr>
         <p:xfrm>
-          <a:off x="457200" y="1600200"/>
-          <a:ext cx="8229600" cy="4525963"/>
+          <a:off x="457200" y="1752600"/>
+          <a:ext cx="7620000" cy="4373563"/>
         </p:xfrm>
         <a:graphic>
           <a:graphicData uri="http://schemas.openxmlformats.org/drawingml/2006/diagram">
@@ -6262,58 +6456,58 @@
 </file>
 
 <file path=ppt/theme/theme1.xml><?xml version="1.0" encoding="utf-8"?>
-<a:theme xmlns:a="http://schemas.openxmlformats.org/drawingml/2006/main" name="Office Theme">
+<a:theme xmlns:a="http://schemas.openxmlformats.org/drawingml/2006/main" name="Essential">
   <a:themeElements>
-    <a:clrScheme name="Office">
+    <a:clrScheme name="Essential">
       <a:dk1>
-        <a:sysClr val="windowText" lastClr="000000"/>
+        <a:srgbClr val="000000"/>
       </a:dk1>
       <a:lt1>
-        <a:sysClr val="window" lastClr="FFFFFF"/>
+        <a:srgbClr val="FFFFFF"/>
       </a:lt1>
       <a:dk2>
-        <a:srgbClr val="1F497D"/>
+        <a:srgbClr val="D1282E"/>
       </a:dk2>
       <a:lt2>
-        <a:srgbClr val="EEECE1"/>
+        <a:srgbClr val="C8C8B1"/>
       </a:lt2>
       <a:accent1>
-        <a:srgbClr val="4F81BD"/>
+        <a:srgbClr val="7A7A7A"/>
       </a:accent1>
       <a:accent2>
-        <a:srgbClr val="C0504D"/>
+        <a:srgbClr val="F5C201"/>
       </a:accent2>
       <a:accent3>
-        <a:srgbClr val="9BBB59"/>
+        <a:srgbClr val="526DB0"/>
       </a:accent3>
       <a:accent4>
-        <a:srgbClr val="8064A2"/>
+        <a:srgbClr val="989AAC"/>
       </a:accent4>
       <a:accent5>
-        <a:srgbClr val="4BACC6"/>
+        <a:srgbClr val="DC5924"/>
       </a:accent5>
       <a:accent6>
-        <a:srgbClr val="F79646"/>
+        <a:srgbClr val="B4B392"/>
       </a:accent6>
       <a:hlink>
-        <a:srgbClr val="0000FF"/>
+        <a:srgbClr val="CC9900"/>
       </a:hlink>
       <a:folHlink>
-        <a:srgbClr val="800080"/>
+        <a:srgbClr val="969696"/>
       </a:folHlink>
     </a:clrScheme>
-    <a:fontScheme name="Office">
+    <a:fontScheme name="Essential">
       <a:majorFont>
-        <a:latin typeface="Calibri"/>
+        <a:latin typeface="Arial Black"/>
         <a:ea typeface=""/>
         <a:cs typeface=""/>
         <a:font script="Jpan" typeface="ＭＳ Ｐゴシック"/>
-        <a:font script="Hang" typeface="맑은 고딕"/>
-        <a:font script="Hans" typeface="宋体"/>
-        <a:font script="Hant" typeface="新細明體"/>
-        <a:font script="Arab" typeface="Times New Roman"/>
-        <a:font script="Hebr" typeface="Times New Roman"/>
-        <a:font script="Thai" typeface="Angsana New"/>
+        <a:font script="Hang" typeface="HY견고딕"/>
+        <a:font script="Hans" typeface="微软雅黑"/>
+        <a:font script="Hant" typeface="微軟正黑體"/>
+        <a:font script="Arab" typeface="Tahoma"/>
+        <a:font script="Hebr" typeface="Tahoma"/>
+        <a:font script="Thai" typeface="Tahoma"/>
         <a:font script="Ethi" typeface="Nyala"/>
         <a:font script="Beng" typeface="Vrinda"/>
         <a:font script="Gujr" typeface="Shruti"/>
@@ -6339,13 +6533,13 @@
         <a:font script="Geor" typeface="Sylfaen"/>
       </a:majorFont>
       <a:minorFont>
-        <a:latin typeface="Calibri"/>
+        <a:latin typeface="Arial"/>
         <a:ea typeface=""/>
         <a:cs typeface=""/>
         <a:font script="Jpan" typeface="ＭＳ Ｐゴシック"/>
-        <a:font script="Hang" typeface="맑은 고딕"/>
-        <a:font script="Hans" typeface="宋体"/>
-        <a:font script="Hant" typeface="新細明體"/>
+        <a:font script="Hang" typeface="돋움"/>
+        <a:font script="Hans" typeface="黑体"/>
+        <a:font script="Hant" typeface="微軟正黑體"/>
         <a:font script="Arab" typeface="Arial"/>
         <a:font script="Hebr" typeface="Arial"/>
         <a:font script="Thai" typeface="Cordia New"/>
@@ -6374,7 +6568,7 @@
         <a:font script="Geor" typeface="Sylfaen"/>
       </a:minorFont>
     </a:fontScheme>
-    <a:fmtScheme name="Office">
+    <a:fmtScheme name="Essential">
       <a:fillStyleLst>
         <a:solidFill>
           <a:schemeClr val="phClr"/>
@@ -6383,47 +6577,33 @@
           <a:gsLst>
             <a:gs pos="0">
               <a:schemeClr val="phClr">
-                <a:tint val="50000"/>
-                <a:satMod val="300000"/>
+                <a:tint val="60000"/>
+                <a:satMod val="250000"/>
               </a:schemeClr>
             </a:gs>
             <a:gs pos="35000">
               <a:schemeClr val="phClr">
-                <a:tint val="37000"/>
-                <a:satMod val="300000"/>
+                <a:tint val="47000"/>
+                <a:satMod val="275000"/>
               </a:schemeClr>
             </a:gs>
             <a:gs pos="100000">
               <a:schemeClr val="phClr">
-                <a:tint val="15000"/>
-                <a:satMod val="350000"/>
+                <a:tint val="25000"/>
+                <a:satMod val="300000"/>
               </a:schemeClr>
             </a:gs>
           </a:gsLst>
           <a:lin ang="16200000" scaled="1"/>
         </a:gradFill>
-        <a:gradFill rotWithShape="1">
-          <a:gsLst>
-            <a:gs pos="0">
-              <a:schemeClr val="phClr">
-                <a:tint val="100000"/>
-                <a:shade val="100000"/>
-                <a:satMod val="130000"/>
-              </a:schemeClr>
-            </a:gs>
-            <a:gs pos="100000">
-              <a:schemeClr val="phClr">
-                <a:tint val="50000"/>
-                <a:shade val="100000"/>
-                <a:satMod val="350000"/>
-              </a:schemeClr>
-            </a:gs>
-          </a:gsLst>
-          <a:lin ang="16200000" scaled="0"/>
-        </a:gradFill>
+        <a:solidFill>
+          <a:schemeClr val="phClr">
+            <a:satMod val="110000"/>
+          </a:schemeClr>
+        </a:solidFill>
       </a:fillStyleLst>
       <a:lnStyleLst>
-        <a:ln w="9525" cap="flat" cmpd="sng" algn="ctr">
+        <a:ln w="12700" cap="flat" cmpd="sng" algn="ctr">
           <a:solidFill>
             <a:schemeClr val="phClr">
               <a:shade val="95000"/>
@@ -6432,13 +6612,13 @@
           </a:solidFill>
           <a:prstDash val="solid"/>
         </a:ln>
-        <a:ln w="25400" cap="flat" cmpd="sng" algn="ctr">
+        <a:ln w="28575" cap="flat" cmpd="sng" algn="ctr">
           <a:solidFill>
             <a:schemeClr val="phClr"/>
           </a:solidFill>
           <a:prstDash val="solid"/>
         </a:ln>
-        <a:ln w="38100" cap="flat" cmpd="sng" algn="ctr">
+        <a:ln w="41275" cap="flat" cmpd="sng" algn="ctr">
           <a:solidFill>
             <a:schemeClr val="phClr"/>
           </a:solidFill>
@@ -6447,28 +6627,22 @@
       </a:lnStyleLst>
       <a:effectStyleLst>
         <a:effectStyle>
+          <a:effectLst/>
+        </a:effectStyle>
+        <a:effectStyle>
           <a:effectLst>
-            <a:outerShdw blurRad="40000" dist="20000" dir="5400000" rotWithShape="0">
+            <a:outerShdw blurRad="39999" dist="23000" algn="bl" rotWithShape="0">
               <a:srgbClr val="000000">
-                <a:alpha val="38000"/>
+                <a:alpha val="40000"/>
               </a:srgbClr>
             </a:outerShdw>
           </a:effectLst>
         </a:effectStyle>
         <a:effectStyle>
           <a:effectLst>
-            <a:outerShdw blurRad="40000" dist="23000" dir="5400000" rotWithShape="0">
+            <a:outerShdw blurRad="38100" dist="19050" algn="bl" rotWithShape="0">
               <a:srgbClr val="000000">
-                <a:alpha val="35000"/>
-              </a:srgbClr>
-            </a:outerShdw>
-          </a:effectLst>
-        </a:effectStyle>
-        <a:effectStyle>
-          <a:effectLst>
-            <a:outerShdw blurRad="40000" dist="23000" dir="5400000" rotWithShape="0">
-              <a:srgbClr val="000000">
-                <a:alpha val="35000"/>
+                <a:alpha val="60000"/>
               </a:srgbClr>
             </a:outerShdw>
           </a:effectLst>
@@ -6476,12 +6650,10 @@
             <a:camera prst="orthographicFront">
               <a:rot lat="0" lon="0" rev="0"/>
             </a:camera>
-            <a:lightRig rig="threePt" dir="t">
-              <a:rot lat="0" lon="0" rev="1200000"/>
-            </a:lightRig>
+            <a:lightRig rig="balanced" dir="l"/>
           </a:scene3d>
-          <a:sp3d>
-            <a:bevelT w="63500" h="25400"/>
+          <a:sp3d prstMaterial="plastic">
+            <a:bevelT w="38100" h="31750"/>
           </a:sp3d>
         </a:effectStyle>
       </a:effectStyleLst>
@@ -6489,94 +6661,49 @@
         <a:solidFill>
           <a:schemeClr val="phClr"/>
         </a:solidFill>
+        <a:blipFill rotWithShape="1">
+          <a:blip xmlns:r="http://schemas.openxmlformats.org/officeDocument/2006/relationships" r:embed="rId1">
+            <a:duotone>
+              <a:schemeClr val="phClr">
+                <a:tint val="96000"/>
+              </a:schemeClr>
+              <a:schemeClr val="phClr">
+                <a:shade val="94000"/>
+              </a:schemeClr>
+            </a:duotone>
+          </a:blip>
+          <a:tile tx="0" ty="0" sx="100000" sy="100000" flip="none" algn="tl"/>
+        </a:blipFill>
         <a:gradFill rotWithShape="1">
           <a:gsLst>
             <a:gs pos="0">
               <a:schemeClr val="phClr">
-                <a:tint val="40000"/>
-                <a:satMod val="350000"/>
+                <a:tint val="84000"/>
+                <a:satMod val="110000"/>
               </a:schemeClr>
             </a:gs>
-            <a:gs pos="40000">
+            <a:gs pos="44000">
               <a:schemeClr val="phClr">
-                <a:tint val="45000"/>
-                <a:shade val="99000"/>
-                <a:satMod val="350000"/>
+                <a:tint val="93000"/>
+                <a:satMod val="115000"/>
               </a:schemeClr>
             </a:gs>
             <a:gs pos="100000">
               <a:schemeClr val="phClr">
-                <a:shade val="20000"/>
-                <a:satMod val="255000"/>
+                <a:tint val="100000"/>
+                <a:shade val="59000"/>
+                <a:satMod val="120000"/>
               </a:schemeClr>
             </a:gs>
           </a:gsLst>
           <a:path path="circle">
-            <a:fillToRect l="50000" t="-80000" r="50000" b="180000"/>
-          </a:path>
-        </a:gradFill>
-        <a:gradFill rotWithShape="1">
-          <a:gsLst>
-            <a:gs pos="0">
-              <a:schemeClr val="phClr">
-                <a:tint val="80000"/>
-                <a:satMod val="300000"/>
-              </a:schemeClr>
-            </a:gs>
-            <a:gs pos="100000">
-              <a:schemeClr val="phClr">
-                <a:shade val="30000"/>
-                <a:satMod val="200000"/>
-              </a:schemeClr>
-            </a:gs>
-          </a:gsLst>
-          <a:path path="circle">
-            <a:fillToRect l="50000" t="50000" r="50000" b="50000"/>
+            <a:fillToRect l="40000" t="60000" r="60000" b="40000"/>
           </a:path>
         </a:gradFill>
       </a:bgFillStyleLst>
     </a:fmtScheme>
   </a:themeElements>
-  <a:objectDefaults>
-    <a:spDef>
-      <a:spPr/>
-      <a:bodyPr/>
-      <a:lstStyle/>
-      <a:style>
-        <a:lnRef idx="1">
-          <a:schemeClr val="accent1"/>
-        </a:lnRef>
-        <a:fillRef idx="3">
-          <a:schemeClr val="accent1"/>
-        </a:fillRef>
-        <a:effectRef idx="2">
-          <a:schemeClr val="accent1"/>
-        </a:effectRef>
-        <a:fontRef idx="minor">
-          <a:schemeClr val="lt1"/>
-        </a:fontRef>
-      </a:style>
-    </a:spDef>
-    <a:lnDef>
-      <a:spPr/>
-      <a:bodyPr/>
-      <a:lstStyle/>
-      <a:style>
-        <a:lnRef idx="2">
-          <a:schemeClr val="accent1"/>
-        </a:lnRef>
-        <a:fillRef idx="0">
-          <a:schemeClr val="accent1"/>
-        </a:fillRef>
-        <a:effectRef idx="1">
-          <a:schemeClr val="accent1"/>
-        </a:effectRef>
-        <a:fontRef idx="minor">
-          <a:schemeClr val="tx1"/>
-        </a:fontRef>
-      </a:style>
-    </a:lnDef>
-  </a:objectDefaults>
+  <a:objectDefaults/>
   <a:extraClrSchemeLst/>
 </a:theme>
 </file>
--- a/SystematicReviews.pptx
+++ b/SystematicReviews.pptx
@@ -872,7 +872,7 @@
         <a:p>
           <a:r>
             <a:rPr lang="en-US" dirty="0" smtClean="0"/>
-            <a:t>Get and Parse </a:t>
+            <a:t>Parse </a:t>
           </a:r>
           <a:r>
             <a:rPr lang="en-US" dirty="0" err="1" smtClean="0"/>
@@ -917,7 +917,7 @@
         <a:p>
           <a:r>
             <a:rPr lang="en-US" dirty="0" smtClean="0"/>
-            <a:t>Create K Nearest Neighbors (using LDA, Word Embedding) from Abstract Text, etc.</a:t>
+            <a:t>Create K Nearest Neighbors (LDA, Word Embedding) w/Abstract Text, etc.</a:t>
           </a:r>
           <a:endParaRPr lang="en-US" dirty="0"/>
         </a:p>
@@ -954,15 +954,7 @@
         <a:p>
           <a:r>
             <a:rPr lang="en-US" dirty="0" smtClean="0"/>
-            <a:t>Analyze clusters and reanalyze associated metadata (</a:t>
-          </a:r>
-          <a:r>
-            <a:rPr lang="en-US" dirty="0" err="1" smtClean="0"/>
-            <a:t>MeSH</a:t>
-          </a:r>
-          <a:r>
-            <a:rPr lang="en-US" dirty="0" smtClean="0"/>
-            <a:t>, Keywords) to generate related articles and new search strings</a:t>
+            <a:t>Use K nearest neighbors to find related articles AND/OR use metadata to generate new search strings</a:t>
           </a:r>
           <a:endParaRPr lang="en-US" dirty="0"/>
         </a:p>
@@ -1173,8 +1165,8 @@
       </dsp:nvSpPr>
       <dsp:spPr>
         <a:xfrm>
-          <a:off x="3348" y="1281086"/>
-          <a:ext cx="1464096" cy="1811390"/>
+          <a:off x="3782" y="954412"/>
+          <a:ext cx="1653818" cy="2464738"/>
         </a:xfrm>
         <a:prstGeom prst="roundRect">
           <a:avLst>
@@ -1215,12 +1207,12 @@
         </a:fontRef>
       </dsp:style>
       <dsp:txBody>
-        <a:bodyPr spcFirstLastPara="0" vert="horz" wrap="square" lIns="49530" tIns="49530" rIns="49530" bIns="49530" numCol="1" spcCol="1270" anchor="ctr" anchorCtr="0">
+        <a:bodyPr spcFirstLastPara="0" vert="horz" wrap="square" lIns="68580" tIns="68580" rIns="68580" bIns="68580" numCol="1" spcCol="1270" anchor="ctr" anchorCtr="0">
           <a:noAutofit/>
         </a:bodyPr>
         <a:lstStyle/>
         <a:p>
-          <a:pPr lvl="0" algn="ctr" defTabSz="577850">
+          <a:pPr lvl="0" algn="ctr" defTabSz="800100">
             <a:lnSpc>
               <a:spcPct val="90000"/>
             </a:lnSpc>
@@ -1232,23 +1224,23 @@
             </a:spcAft>
           </a:pPr>
           <a:r>
-            <a:rPr lang="en-US" sz="1300" kern="1200" dirty="0" smtClean="0"/>
-            <a:t>Get and Parse </a:t>
+            <a:rPr lang="en-US" sz="1800" kern="1200" dirty="0" smtClean="0"/>
+            <a:t>Parse </a:t>
           </a:r>
           <a:r>
-            <a:rPr lang="en-US" sz="1300" kern="1200" dirty="0" err="1" smtClean="0"/>
+            <a:rPr lang="en-US" sz="1800" kern="1200" dirty="0" err="1" smtClean="0"/>
             <a:t>Pubmed</a:t>
           </a:r>
           <a:r>
-            <a:rPr lang="en-US" sz="1300" kern="1200" dirty="0" smtClean="0"/>
+            <a:rPr lang="en-US" sz="1800" kern="1200" dirty="0" smtClean="0"/>
             <a:t> XML (dl, direct.)</a:t>
           </a:r>
-          <a:endParaRPr lang="en-US" sz="1300" kern="1200" dirty="0"/>
+          <a:endParaRPr lang="en-US" sz="1800" kern="1200" dirty="0"/>
         </a:p>
       </dsp:txBody>
       <dsp:txXfrm>
-        <a:off x="46230" y="1323968"/>
-        <a:ext cx="1378332" cy="1725626"/>
+        <a:off x="52221" y="1002851"/>
+        <a:ext cx="1556940" cy="2367860"/>
       </dsp:txXfrm>
     </dsp:sp>
     <dsp:sp modelId="{BD7C4556-DB72-3C46-8494-B5E114CF61A1}">
@@ -1258,8 +1250,8 @@
       </dsp:nvSpPr>
       <dsp:spPr>
         <a:xfrm>
-          <a:off x="1613854" y="2005233"/>
-          <a:ext cx="310388" cy="363095"/>
+          <a:off x="1822983" y="1981707"/>
+          <a:ext cx="350609" cy="410147"/>
         </a:xfrm>
         <a:prstGeom prst="rightArrow">
           <a:avLst>
@@ -1307,7 +1299,7 @@
         </a:bodyPr>
         <a:lstStyle/>
         <a:p>
-          <a:pPr lvl="0" algn="ctr" defTabSz="488950">
+          <a:pPr lvl="0" algn="ctr" defTabSz="622300">
             <a:lnSpc>
               <a:spcPct val="90000"/>
             </a:lnSpc>
@@ -1318,12 +1310,12 @@
               <a:spcPct val="35000"/>
             </a:spcAft>
           </a:pPr>
-          <a:endParaRPr lang="en-US" sz="1100" kern="1200"/>
+          <a:endParaRPr lang="en-US" sz="1400" kern="1200"/>
         </a:p>
       </dsp:txBody>
       <dsp:txXfrm>
-        <a:off x="1613854" y="2077852"/>
-        <a:ext cx="217272" cy="217857"/>
+        <a:off x="1822983" y="2063736"/>
+        <a:ext cx="245426" cy="246089"/>
       </dsp:txXfrm>
     </dsp:sp>
     <dsp:sp modelId="{03858AF6-0BC2-DD47-8FBF-97CE88074EFC}">
@@ -1333,8 +1325,8 @@
       </dsp:nvSpPr>
       <dsp:spPr>
         <a:xfrm>
-          <a:off x="2053083" y="1281086"/>
-          <a:ext cx="1464096" cy="1811390"/>
+          <a:off x="2319128" y="954412"/>
+          <a:ext cx="1653818" cy="2464738"/>
         </a:xfrm>
         <a:prstGeom prst="roundRect">
           <a:avLst>
@@ -1375,12 +1367,12 @@
         </a:fontRef>
       </dsp:style>
       <dsp:txBody>
-        <a:bodyPr spcFirstLastPara="0" vert="horz" wrap="square" lIns="49530" tIns="49530" rIns="49530" bIns="49530" numCol="1" spcCol="1270" anchor="ctr" anchorCtr="0">
+        <a:bodyPr spcFirstLastPara="0" vert="horz" wrap="square" lIns="68580" tIns="68580" rIns="68580" bIns="68580" numCol="1" spcCol="1270" anchor="ctr" anchorCtr="0">
           <a:noAutofit/>
         </a:bodyPr>
         <a:lstStyle/>
         <a:p>
-          <a:pPr lvl="0" algn="ctr" defTabSz="577850">
+          <a:pPr lvl="0" algn="ctr" defTabSz="800100">
             <a:lnSpc>
               <a:spcPct val="90000"/>
             </a:lnSpc>
@@ -1392,15 +1384,15 @@
             </a:spcAft>
           </a:pPr>
           <a:r>
-            <a:rPr lang="en-US" sz="1300" kern="1200" dirty="0" smtClean="0"/>
-            <a:t>Create K Nearest Neighbors (using LDA, Word Embedding) from Abstract Text, etc.</a:t>
+            <a:rPr lang="en-US" sz="1800" kern="1200" dirty="0" smtClean="0"/>
+            <a:t>Create K Nearest Neighbors (LDA, Word Embedding) w/Abstract Text, etc.</a:t>
           </a:r>
-          <a:endParaRPr lang="en-US" sz="1300" kern="1200" dirty="0"/>
+          <a:endParaRPr lang="en-US" sz="1800" kern="1200" dirty="0"/>
         </a:p>
       </dsp:txBody>
       <dsp:txXfrm>
-        <a:off x="2095965" y="1323968"/>
-        <a:ext cx="1378332" cy="1725626"/>
+        <a:off x="2367567" y="1002851"/>
+        <a:ext cx="1556940" cy="2367860"/>
       </dsp:txXfrm>
     </dsp:sp>
     <dsp:sp modelId="{46347FED-EBE5-964E-9846-7A8A5369F225}">
@@ -1410,8 +1402,8 @@
       </dsp:nvSpPr>
       <dsp:spPr>
         <a:xfrm>
-          <a:off x="3663590" y="2005233"/>
-          <a:ext cx="310388" cy="363095"/>
+          <a:off x="4138329" y="1981707"/>
+          <a:ext cx="350609" cy="410147"/>
         </a:xfrm>
         <a:prstGeom prst="rightArrow">
           <a:avLst>
@@ -1459,7 +1451,7 @@
         </a:bodyPr>
         <a:lstStyle/>
         <a:p>
-          <a:pPr lvl="0" algn="ctr" defTabSz="488950">
+          <a:pPr lvl="0" algn="ctr" defTabSz="622300">
             <a:lnSpc>
               <a:spcPct val="90000"/>
             </a:lnSpc>
@@ -1470,12 +1462,12 @@
               <a:spcPct val="35000"/>
             </a:spcAft>
           </a:pPr>
-          <a:endParaRPr lang="en-US" sz="1100" kern="1200"/>
+          <a:endParaRPr lang="en-US" sz="1400" kern="1200"/>
         </a:p>
       </dsp:txBody>
       <dsp:txXfrm>
-        <a:off x="3663590" y="2077852"/>
-        <a:ext cx="217272" cy="217857"/>
+        <a:off x="4138329" y="2063736"/>
+        <a:ext cx="245426" cy="246089"/>
       </dsp:txXfrm>
     </dsp:sp>
     <dsp:sp modelId="{304E1329-86CF-7F49-8890-21EC859B0FD0}">
@@ -1485,8 +1477,8 @@
       </dsp:nvSpPr>
       <dsp:spPr>
         <a:xfrm>
-          <a:off x="4102819" y="1281086"/>
-          <a:ext cx="1464096" cy="1811390"/>
+          <a:off x="4634474" y="954412"/>
+          <a:ext cx="1653818" cy="2464738"/>
         </a:xfrm>
         <a:prstGeom prst="roundRect">
           <a:avLst>
@@ -1527,12 +1519,12 @@
         </a:fontRef>
       </dsp:style>
       <dsp:txBody>
-        <a:bodyPr spcFirstLastPara="0" vert="horz" wrap="square" lIns="49530" tIns="49530" rIns="49530" bIns="49530" numCol="1" spcCol="1270" anchor="ctr" anchorCtr="0">
+        <a:bodyPr spcFirstLastPara="0" vert="horz" wrap="square" lIns="68580" tIns="68580" rIns="68580" bIns="68580" numCol="1" spcCol="1270" anchor="ctr" anchorCtr="0">
           <a:noAutofit/>
         </a:bodyPr>
         <a:lstStyle/>
         <a:p>
-          <a:pPr lvl="0" algn="ctr" defTabSz="577850">
+          <a:pPr lvl="0" algn="ctr" defTabSz="800100">
             <a:lnSpc>
               <a:spcPct val="90000"/>
             </a:lnSpc>
@@ -1544,23 +1536,15 @@
             </a:spcAft>
           </a:pPr>
           <a:r>
-            <a:rPr lang="en-US" sz="1300" kern="1200" dirty="0" smtClean="0"/>
-            <a:t>Analyze clusters and reanalyze associated metadata (</a:t>
+            <a:rPr lang="en-US" sz="1800" kern="1200" dirty="0" smtClean="0"/>
+            <a:t>Use K nearest neighbors to find related articles AND/OR use metadata to generate new search strings</a:t>
           </a:r>
-          <a:r>
-            <a:rPr lang="en-US" sz="1300" kern="1200" dirty="0" err="1" smtClean="0"/>
-            <a:t>MeSH</a:t>
-          </a:r>
-          <a:r>
-            <a:rPr lang="en-US" sz="1300" kern="1200" dirty="0" smtClean="0"/>
-            <a:t>, Keywords) to generate related articles and new search strings</a:t>
-          </a:r>
-          <a:endParaRPr lang="en-US" sz="1300" kern="1200" dirty="0"/>
+          <a:endParaRPr lang="en-US" sz="1800" kern="1200" dirty="0"/>
         </a:p>
       </dsp:txBody>
       <dsp:txXfrm>
-        <a:off x="4145701" y="1323968"/>
-        <a:ext cx="1378332" cy="1725626"/>
+        <a:off x="4682913" y="1002851"/>
+        <a:ext cx="1556940" cy="2367860"/>
       </dsp:txXfrm>
     </dsp:sp>
     <dsp:sp modelId="{F3486224-C465-8547-BAB3-59AAB68A884D}">
@@ -1570,8 +1554,8 @@
       </dsp:nvSpPr>
       <dsp:spPr>
         <a:xfrm>
-          <a:off x="5713325" y="2005233"/>
-          <a:ext cx="310388" cy="363095"/>
+          <a:off x="6453675" y="1981707"/>
+          <a:ext cx="350609" cy="410147"/>
         </a:xfrm>
         <a:prstGeom prst="rightArrow">
           <a:avLst>
@@ -1619,7 +1603,7 @@
         </a:bodyPr>
         <a:lstStyle/>
         <a:p>
-          <a:pPr lvl="0" algn="ctr" defTabSz="488950">
+          <a:pPr lvl="0" algn="ctr" defTabSz="622300">
             <a:lnSpc>
               <a:spcPct val="90000"/>
             </a:lnSpc>
@@ -1630,12 +1614,12 @@
               <a:spcPct val="35000"/>
             </a:spcAft>
           </a:pPr>
-          <a:endParaRPr lang="en-US" sz="1100" kern="1200"/>
+          <a:endParaRPr lang="en-US" sz="1400" kern="1200"/>
         </a:p>
       </dsp:txBody>
       <dsp:txXfrm>
-        <a:off x="5713325" y="2077852"/>
-        <a:ext cx="217272" cy="217857"/>
+        <a:off x="6453675" y="2063736"/>
+        <a:ext cx="245426" cy="246089"/>
       </dsp:txXfrm>
     </dsp:sp>
     <dsp:sp modelId="{1C2522D7-7AB1-9B42-99C5-F5CF4AEDCB20}">
@@ -1645,8 +1629,8 @@
       </dsp:nvSpPr>
       <dsp:spPr>
         <a:xfrm>
-          <a:off x="6152554" y="1281086"/>
-          <a:ext cx="1464096" cy="1811390"/>
+          <a:off x="6949820" y="954412"/>
+          <a:ext cx="1653818" cy="2464738"/>
         </a:xfrm>
         <a:prstGeom prst="roundRect">
           <a:avLst>
@@ -1687,12 +1671,12 @@
         </a:fontRef>
       </dsp:style>
       <dsp:txBody>
-        <a:bodyPr spcFirstLastPara="0" vert="horz" wrap="square" lIns="49530" tIns="49530" rIns="49530" bIns="49530" numCol="1" spcCol="1270" anchor="ctr" anchorCtr="0">
+        <a:bodyPr spcFirstLastPara="0" vert="horz" wrap="square" lIns="68580" tIns="68580" rIns="68580" bIns="68580" numCol="1" spcCol="1270" anchor="ctr" anchorCtr="0">
           <a:noAutofit/>
         </a:bodyPr>
         <a:lstStyle/>
         <a:p>
-          <a:pPr lvl="0" algn="ctr" defTabSz="577850">
+          <a:pPr lvl="0" algn="ctr" defTabSz="800100">
             <a:lnSpc>
               <a:spcPct val="90000"/>
             </a:lnSpc>
@@ -1704,15 +1688,15 @@
             </a:spcAft>
           </a:pPr>
           <a:r>
-            <a:rPr lang="en-US" sz="1300" kern="1200" dirty="0" smtClean="0"/>
+            <a:rPr lang="en-US" sz="1800" kern="1200" dirty="0" smtClean="0"/>
             <a:t>Compare test set to full set using Precision and Recall</a:t>
           </a:r>
-          <a:endParaRPr lang="en-US" sz="1300" kern="1200" dirty="0"/>
+          <a:endParaRPr lang="en-US" sz="1800" kern="1200" dirty="0"/>
         </a:p>
       </dsp:txBody>
       <dsp:txXfrm>
-        <a:off x="6195436" y="1323968"/>
-        <a:ext cx="1378332" cy="1725626"/>
+        <a:off x="6998259" y="1002851"/>
+        <a:ext cx="1556940" cy="2367860"/>
       </dsp:txXfrm>
     </dsp:sp>
   </dsp:spTree>
@@ -6318,7 +6302,7 @@
             </a:r>
             <a:r>
               <a:rPr lang="en-US" dirty="0" smtClean="0"/>
-              <a:t>-compliant XML </a:t>
+              <a:t>-compliant XML file </a:t>
             </a:r>
             <a:r>
               <a:rPr lang="en-US" dirty="0"/>
@@ -6341,15 +6325,15 @@
             </a:pPr>
             <a:r>
               <a:rPr lang="en-US" dirty="0" smtClean="0"/>
-              <a:t>Based on a set of known articles, find other articles that are similar using </a:t>
-            </a:r>
-            <a:r>
-              <a:rPr lang="en-US" smtClean="0"/>
-              <a:t>topic modeling </a:t>
+              <a:t>Based on a set of known articles, find other articles that are similar using topic modeling (via either direct similarity comparison </a:t>
+            </a:r>
+            <a:r>
+              <a:rPr lang="en-US" u="sng" dirty="0" smtClean="0"/>
+              <a:t>OR by building a new search string from metadata associated with topic clusters</a:t>
             </a:r>
             <a:r>
               <a:rPr lang="en-US" dirty="0" smtClean="0"/>
-              <a:t>(via either direct similarity comparison OR by building a new search string from metadata associated with article topic clusters) (?%)</a:t>
+              <a:t>) (?%)</a:t>
             </a:r>
           </a:p>
           <a:p>
@@ -6427,14 +6411,14 @@
             <p:ph idx="1"/>
             <p:extLst>
               <p:ext uri="{D42A27DB-BD31-4B8C-83A1-F6EECF244321}">
-                <p14:modId xmlns:p14="http://schemas.microsoft.com/office/powerpoint/2010/main" val="2075795046"/>
+                <p14:modId xmlns:p14="http://schemas.microsoft.com/office/powerpoint/2010/main" val="4130419411"/>
               </p:ext>
             </p:extLst>
           </p:nvPr>
         </p:nvGraphicFramePr>
         <p:xfrm>
-          <a:off x="457200" y="1752600"/>
-          <a:ext cx="7620000" cy="4373563"/>
+          <a:off x="233075" y="1752600"/>
+          <a:ext cx="8607422" cy="4373563"/>
         </p:xfrm>
         <a:graphic>
           <a:graphicData uri="http://schemas.openxmlformats.org/drawingml/2006/diagram">
